--- a/Unconfined Compression calibration/UC test.pptx
+++ b/Unconfined Compression calibration/UC test.pptx
@@ -122,7 +122,7 @@
   <pc:docChgLst>
     <pc:chgData name="Ke Yu" userId="a844e5b4-5ccb-4234-998f-a7928449601c" providerId="ADAL" clId="{E9DF7E1D-3C0E-48DC-B387-5B60D7C05EDA}"/>
     <pc:docChg chg="undo custSel addSld delSld modSld">
-      <pc:chgData name="Ke Yu" userId="a844e5b4-5ccb-4234-998f-a7928449601c" providerId="ADAL" clId="{E9DF7E1D-3C0E-48DC-B387-5B60D7C05EDA}" dt="2024-03-22T21:22:00.292" v="387" actId="1076"/>
+      <pc:chgData name="Ke Yu" userId="a844e5b4-5ccb-4234-998f-a7928449601c" providerId="ADAL" clId="{E9DF7E1D-3C0E-48DC-B387-5B60D7C05EDA}" dt="2024-04-02T17:34:22.736" v="504" actId="2696"/>
       <pc:docMkLst>
         <pc:docMk/>
       </pc:docMkLst>
@@ -173,7 +173,7 @@
         </pc:picChg>
       </pc:sldChg>
       <pc:sldChg chg="addSp delSp modSp mod">
-        <pc:chgData name="Ke Yu" userId="a844e5b4-5ccb-4234-998f-a7928449601c" providerId="ADAL" clId="{E9DF7E1D-3C0E-48DC-B387-5B60D7C05EDA}" dt="2024-03-22T21:22:00.292" v="387" actId="1076"/>
+        <pc:chgData name="Ke Yu" userId="a844e5b4-5ccb-4234-998f-a7928449601c" providerId="ADAL" clId="{E9DF7E1D-3C0E-48DC-B387-5B60D7C05EDA}" dt="2024-03-29T18:53:33.936" v="431" actId="1076"/>
         <pc:sldMkLst>
           <pc:docMk/>
           <pc:sldMk cId="417035385" sldId="259"/>
@@ -195,7 +195,7 @@
           </ac:spMkLst>
         </pc:spChg>
         <pc:spChg chg="add mod">
-          <ac:chgData name="Ke Yu" userId="a844e5b4-5ccb-4234-998f-a7928449601c" providerId="ADAL" clId="{E9DF7E1D-3C0E-48DC-B387-5B60D7C05EDA}" dt="2024-03-08T02:22:21.799" v="19" actId="1076"/>
+          <ac:chgData name="Ke Yu" userId="a844e5b4-5ccb-4234-998f-a7928449601c" providerId="ADAL" clId="{E9DF7E1D-3C0E-48DC-B387-5B60D7C05EDA}" dt="2024-03-29T11:59:59.970" v="405" actId="1076"/>
           <ac:spMkLst>
             <pc:docMk/>
             <pc:sldMk cId="417035385" sldId="259"/>
@@ -203,7 +203,7 @@
           </ac:spMkLst>
         </pc:spChg>
         <pc:spChg chg="add mod">
-          <ac:chgData name="Ke Yu" userId="a844e5b4-5ccb-4234-998f-a7928449601c" providerId="ADAL" clId="{E9DF7E1D-3C0E-48DC-B387-5B60D7C05EDA}" dt="2024-03-08T02:22:54.006" v="31" actId="20577"/>
+          <ac:chgData name="Ke Yu" userId="a844e5b4-5ccb-4234-998f-a7928449601c" providerId="ADAL" clId="{E9DF7E1D-3C0E-48DC-B387-5B60D7C05EDA}" dt="2024-03-29T12:00:24.822" v="407" actId="1076"/>
           <ac:spMkLst>
             <pc:docMk/>
             <pc:sldMk cId="417035385" sldId="259"/>
@@ -226,20 +226,84 @@
             <ac:spMk id="11" creationId="{4466A95B-C010-2734-D4C9-E4640046D95C}"/>
           </ac:spMkLst>
         </pc:spChg>
-        <pc:spChg chg="add mod">
-          <ac:chgData name="Ke Yu" userId="a844e5b4-5ccb-4234-998f-a7928449601c" providerId="ADAL" clId="{E9DF7E1D-3C0E-48DC-B387-5B60D7C05EDA}" dt="2024-03-22T21:21:54.170" v="385" actId="1076"/>
+        <pc:spChg chg="add del mod">
+          <ac:chgData name="Ke Yu" userId="a844e5b4-5ccb-4234-998f-a7928449601c" providerId="ADAL" clId="{E9DF7E1D-3C0E-48DC-B387-5B60D7C05EDA}" dt="2024-03-29T12:01:04.717" v="411" actId="478"/>
           <ac:spMkLst>
             <pc:docMk/>
             <pc:sldMk cId="417035385" sldId="259"/>
             <ac:spMk id="14" creationId="{C01304B9-5100-D692-06DE-10FE40CAF6F5}"/>
           </ac:spMkLst>
         </pc:spChg>
-        <pc:picChg chg="add mod ord">
-          <ac:chgData name="Ke Yu" userId="a844e5b4-5ccb-4234-998f-a7928449601c" providerId="ADAL" clId="{E9DF7E1D-3C0E-48DC-B387-5B60D7C05EDA}" dt="2024-03-22T21:21:54.170" v="385" actId="1076"/>
+        <pc:spChg chg="add del mod">
+          <ac:chgData name="Ke Yu" userId="a844e5b4-5ccb-4234-998f-a7928449601c" providerId="ADAL" clId="{E9DF7E1D-3C0E-48DC-B387-5B60D7C05EDA}" dt="2024-03-29T12:01:31.289" v="417" actId="478"/>
+          <ac:spMkLst>
+            <pc:docMk/>
+            <pc:sldMk cId="417035385" sldId="259"/>
+            <ac:spMk id="15" creationId="{8ED61465-45B3-AAEC-8CAC-89AC12ABC452}"/>
+          </ac:spMkLst>
+        </pc:spChg>
+        <pc:spChg chg="add mod">
+          <ac:chgData name="Ke Yu" userId="a844e5b4-5ccb-4234-998f-a7928449601c" providerId="ADAL" clId="{E9DF7E1D-3C0E-48DC-B387-5B60D7C05EDA}" dt="2024-03-29T12:01:32.449" v="418"/>
+          <ac:spMkLst>
+            <pc:docMk/>
+            <pc:sldMk cId="417035385" sldId="259"/>
+            <ac:spMk id="19" creationId="{06BBA4ED-BEB5-9C10-59C9-15E0AC61164D}"/>
+          </ac:spMkLst>
+        </pc:spChg>
+        <pc:spChg chg="mod">
+          <ac:chgData name="Ke Yu" userId="a844e5b4-5ccb-4234-998f-a7928449601c" providerId="ADAL" clId="{E9DF7E1D-3C0E-48DC-B387-5B60D7C05EDA}" dt="2024-03-29T12:03:36.340" v="422"/>
+          <ac:spMkLst>
+            <pc:docMk/>
+            <pc:sldMk cId="417035385" sldId="259"/>
+            <ac:spMk id="23" creationId="{7597A0CB-2854-DB44-4E2A-5963E44B4A7D}"/>
+          </ac:spMkLst>
+        </pc:spChg>
+        <pc:spChg chg="mod">
+          <ac:chgData name="Ke Yu" userId="a844e5b4-5ccb-4234-998f-a7928449601c" providerId="ADAL" clId="{E9DF7E1D-3C0E-48DC-B387-5B60D7C05EDA}" dt="2024-03-29T12:03:36.340" v="422"/>
+          <ac:spMkLst>
+            <pc:docMk/>
+            <pc:sldMk cId="417035385" sldId="259"/>
+            <ac:spMk id="24" creationId="{DB33E7E5-248D-AA21-86D5-AF4F7E37ADCB}"/>
+          </ac:spMkLst>
+        </pc:spChg>
+        <pc:spChg chg="mod">
+          <ac:chgData name="Ke Yu" userId="a844e5b4-5ccb-4234-998f-a7928449601c" providerId="ADAL" clId="{E9DF7E1D-3C0E-48DC-B387-5B60D7C05EDA}" dt="2024-03-29T12:03:36.340" v="422"/>
+          <ac:spMkLst>
+            <pc:docMk/>
+            <pc:sldMk cId="417035385" sldId="259"/>
+            <ac:spMk id="25" creationId="{A4B01246-0AF4-86D5-183A-5811990C8D75}"/>
+          </ac:spMkLst>
+        </pc:spChg>
+        <pc:grpChg chg="add mod">
+          <ac:chgData name="Ke Yu" userId="a844e5b4-5ccb-4234-998f-a7928449601c" providerId="ADAL" clId="{E9DF7E1D-3C0E-48DC-B387-5B60D7C05EDA}" dt="2024-03-29T12:03:49.384" v="427" actId="1076"/>
+          <ac:grpSpMkLst>
+            <pc:docMk/>
+            <pc:sldMk cId="417035385" sldId="259"/>
+            <ac:grpSpMk id="21" creationId="{0D916AA9-1B66-082F-7A6E-D9C8D7EABF3B}"/>
+          </ac:grpSpMkLst>
+        </pc:grpChg>
+        <pc:grpChg chg="mod">
+          <ac:chgData name="Ke Yu" userId="a844e5b4-5ccb-4234-998f-a7928449601c" providerId="ADAL" clId="{E9DF7E1D-3C0E-48DC-B387-5B60D7C05EDA}" dt="2024-03-29T12:03:36.340" v="422"/>
+          <ac:grpSpMkLst>
+            <pc:docMk/>
+            <pc:sldMk cId="417035385" sldId="259"/>
+            <ac:grpSpMk id="22" creationId="{86B16128-55F9-3881-D1CA-C4363D6D0D00}"/>
+          </ac:grpSpMkLst>
+        </pc:grpChg>
+        <pc:picChg chg="add del mod ord">
+          <ac:chgData name="Ke Yu" userId="a844e5b4-5ccb-4234-998f-a7928449601c" providerId="ADAL" clId="{E9DF7E1D-3C0E-48DC-B387-5B60D7C05EDA}" dt="2024-03-29T12:01:05.330" v="412" actId="478"/>
           <ac:picMkLst>
             <pc:docMk/>
             <pc:sldMk cId="417035385" sldId="259"/>
             <ac:picMk id="2" creationId="{E2A2D2EB-B4B4-10DB-E405-265438F40888}"/>
+          </ac:picMkLst>
+        </pc:picChg>
+        <pc:picChg chg="add mod">
+          <ac:chgData name="Ke Yu" userId="a844e5b4-5ccb-4234-998f-a7928449601c" providerId="ADAL" clId="{E9DF7E1D-3C0E-48DC-B387-5B60D7C05EDA}" dt="2024-03-29T12:00:58.508" v="410"/>
+          <ac:picMkLst>
+            <pc:docMk/>
+            <pc:sldMk cId="417035385" sldId="259"/>
+            <ac:picMk id="3" creationId="{84C9F823-1C74-1877-B5D1-789F1C6D63F0}"/>
           </ac:picMkLst>
         </pc:picChg>
         <pc:picChg chg="del">
@@ -250,8 +314,8 @@
             <ac:picMk id="3" creationId="{E16DAD13-3C5B-EA9E-7EE2-7E0D65664F06}"/>
           </ac:picMkLst>
         </pc:picChg>
-        <pc:picChg chg="add mod">
-          <ac:chgData name="Ke Yu" userId="a844e5b4-5ccb-4234-998f-a7928449601c" providerId="ADAL" clId="{E9DF7E1D-3C0E-48DC-B387-5B60D7C05EDA}" dt="2024-03-08T02:23:05.106" v="33" actId="1076"/>
+        <pc:picChg chg="add mod modCrop">
+          <ac:chgData name="Ke Yu" userId="a844e5b4-5ccb-4234-998f-a7928449601c" providerId="ADAL" clId="{E9DF7E1D-3C0E-48DC-B387-5B60D7C05EDA}" dt="2024-03-29T12:03:59.759" v="430" actId="732"/>
           <ac:picMkLst>
             <pc:docMk/>
             <pc:sldMk cId="417035385" sldId="259"/>
@@ -267,6 +331,14 @@
           </ac:picMkLst>
         </pc:picChg>
         <pc:picChg chg="add del mod">
+          <ac:chgData name="Ke Yu" userId="a844e5b4-5ccb-4234-998f-a7928449601c" providerId="ADAL" clId="{E9DF7E1D-3C0E-48DC-B387-5B60D7C05EDA}" dt="2024-03-29T12:01:31.289" v="417" actId="478"/>
+          <ac:picMkLst>
+            <pc:docMk/>
+            <pc:sldMk cId="417035385" sldId="259"/>
+            <ac:picMk id="6" creationId="{E6B9A0EE-48FE-5629-7F66-3BE4EA82A3AB}"/>
+          </ac:picMkLst>
+        </pc:picChg>
+        <pc:picChg chg="add del mod">
           <ac:chgData name="Ke Yu" userId="a844e5b4-5ccb-4234-998f-a7928449601c" providerId="ADAL" clId="{E9DF7E1D-3C0E-48DC-B387-5B60D7C05EDA}" dt="2024-03-22T21:16:00.645" v="258" actId="478"/>
           <ac:picMkLst>
             <pc:docMk/>
@@ -274,12 +346,68 @@
             <ac:picMk id="12" creationId="{2E6B1926-6F17-DD6D-A65F-C50EAC2E315D}"/>
           </ac:picMkLst>
         </pc:picChg>
-        <pc:cxnChg chg="add mod">
-          <ac:chgData name="Ke Yu" userId="a844e5b4-5ccb-4234-998f-a7928449601c" providerId="ADAL" clId="{E9DF7E1D-3C0E-48DC-B387-5B60D7C05EDA}" dt="2024-03-22T21:21:54.170" v="385" actId="1076"/>
+        <pc:picChg chg="add mod">
+          <ac:chgData name="Ke Yu" userId="a844e5b4-5ccb-4234-998f-a7928449601c" providerId="ADAL" clId="{E9DF7E1D-3C0E-48DC-B387-5B60D7C05EDA}" dt="2024-03-29T12:01:32.449" v="418"/>
+          <ac:picMkLst>
+            <pc:docMk/>
+            <pc:sldMk cId="417035385" sldId="259"/>
+            <ac:picMk id="17" creationId="{1D8CD265-6847-9243-10FC-72AAE223D087}"/>
+          </ac:picMkLst>
+        </pc:picChg>
+        <pc:picChg chg="add mod">
+          <ac:chgData name="Ke Yu" userId="a844e5b4-5ccb-4234-998f-a7928449601c" providerId="ADAL" clId="{E9DF7E1D-3C0E-48DC-B387-5B60D7C05EDA}" dt="2024-03-29T18:53:33.936" v="431" actId="1076"/>
+          <ac:picMkLst>
+            <pc:docMk/>
+            <pc:sldMk cId="417035385" sldId="259"/>
+            <ac:picMk id="20" creationId="{EDA731F7-45FB-B655-A680-282BF382FC85}"/>
+          </ac:picMkLst>
+        </pc:picChg>
+        <pc:cxnChg chg="add del mod">
+          <ac:chgData name="Ke Yu" userId="a844e5b4-5ccb-4234-998f-a7928449601c" providerId="ADAL" clId="{E9DF7E1D-3C0E-48DC-B387-5B60D7C05EDA}" dt="2024-03-29T12:01:31.289" v="417" actId="478"/>
+          <ac:cxnSpMkLst>
+            <pc:docMk/>
+            <pc:sldMk cId="417035385" sldId="259"/>
+            <ac:cxnSpMk id="12" creationId="{105DCB48-89B0-62B1-0A7A-3912F2828612}"/>
+          </ac:cxnSpMkLst>
+        </pc:cxnChg>
+        <pc:cxnChg chg="add del mod">
+          <ac:chgData name="Ke Yu" userId="a844e5b4-5ccb-4234-998f-a7928449601c" providerId="ADAL" clId="{E9DF7E1D-3C0E-48DC-B387-5B60D7C05EDA}" dt="2024-03-29T12:01:04.717" v="411" actId="478"/>
           <ac:cxnSpMkLst>
             <pc:docMk/>
             <pc:sldMk cId="417035385" sldId="259"/>
             <ac:cxnSpMk id="13" creationId="{F7E1E06D-2499-2CDB-21FC-8AA5CFB718A4}"/>
+          </ac:cxnSpMkLst>
+        </pc:cxnChg>
+        <pc:cxnChg chg="add mod">
+          <ac:chgData name="Ke Yu" userId="a844e5b4-5ccb-4234-998f-a7928449601c" providerId="ADAL" clId="{E9DF7E1D-3C0E-48DC-B387-5B60D7C05EDA}" dt="2024-03-29T12:01:32.449" v="418"/>
+          <ac:cxnSpMkLst>
+            <pc:docMk/>
+            <pc:sldMk cId="417035385" sldId="259"/>
+            <ac:cxnSpMk id="18" creationId="{E9D62C65-0D15-5DC6-7A75-2AF81CCA1D55}"/>
+          </ac:cxnSpMkLst>
+        </pc:cxnChg>
+        <pc:cxnChg chg="mod">
+          <ac:chgData name="Ke Yu" userId="a844e5b4-5ccb-4234-998f-a7928449601c" providerId="ADAL" clId="{E9DF7E1D-3C0E-48DC-B387-5B60D7C05EDA}" dt="2024-03-29T12:03:36.340" v="422"/>
+          <ac:cxnSpMkLst>
+            <pc:docMk/>
+            <pc:sldMk cId="417035385" sldId="259"/>
+            <ac:cxnSpMk id="26" creationId="{A3BC88AF-A2BA-3B25-0C9D-DD95D80A0712}"/>
+          </ac:cxnSpMkLst>
+        </pc:cxnChg>
+        <pc:cxnChg chg="mod">
+          <ac:chgData name="Ke Yu" userId="a844e5b4-5ccb-4234-998f-a7928449601c" providerId="ADAL" clId="{E9DF7E1D-3C0E-48DC-B387-5B60D7C05EDA}" dt="2024-03-29T12:03:36.340" v="422"/>
+          <ac:cxnSpMkLst>
+            <pc:docMk/>
+            <pc:sldMk cId="417035385" sldId="259"/>
+            <ac:cxnSpMk id="27" creationId="{06A28DDC-F462-59FF-FA3C-1342F651D0EF}"/>
+          </ac:cxnSpMkLst>
+        </pc:cxnChg>
+        <pc:cxnChg chg="mod">
+          <ac:chgData name="Ke Yu" userId="a844e5b4-5ccb-4234-998f-a7928449601c" providerId="ADAL" clId="{E9DF7E1D-3C0E-48DC-B387-5B60D7C05EDA}" dt="2024-03-29T12:03:36.340" v="422"/>
+          <ac:cxnSpMkLst>
+            <pc:docMk/>
+            <pc:sldMk cId="417035385" sldId="259"/>
+            <ac:cxnSpMk id="28" creationId="{7C1F6659-4D38-2257-4C01-C2D1FBC98F05}"/>
           </ac:cxnSpMkLst>
         </pc:cxnChg>
       </pc:sldChg>
@@ -306,13 +434,13 @@
         </pc:sldMkLst>
       </pc:sldChg>
       <pc:sldChg chg="addSp modSp new">
-        <pc:chgData name="Ke Yu" userId="a844e5b4-5ccb-4234-998f-a7928449601c" providerId="ADAL" clId="{E9DF7E1D-3C0E-48DC-B387-5B60D7C05EDA}" dt="2024-03-15T13:12:44.121" v="256" actId="1076"/>
+        <pc:chgData name="Ke Yu" userId="a844e5b4-5ccb-4234-998f-a7928449601c" providerId="ADAL" clId="{E9DF7E1D-3C0E-48DC-B387-5B60D7C05EDA}" dt="2024-04-02T17:33:53.732" v="501" actId="1076"/>
         <pc:sldMkLst>
           <pc:docMk/>
           <pc:sldMk cId="3511183673" sldId="261"/>
         </pc:sldMkLst>
         <pc:picChg chg="add mod">
-          <ac:chgData name="Ke Yu" userId="a844e5b4-5ccb-4234-998f-a7928449601c" providerId="ADAL" clId="{E9DF7E1D-3C0E-48DC-B387-5B60D7C05EDA}" dt="2024-03-15T13:12:38.045" v="254" actId="14100"/>
+          <ac:chgData name="Ke Yu" userId="a844e5b4-5ccb-4234-998f-a7928449601c" providerId="ADAL" clId="{E9DF7E1D-3C0E-48DC-B387-5B60D7C05EDA}" dt="2024-04-02T17:33:48.270" v="499" actId="14100"/>
           <ac:picMkLst>
             <pc:docMk/>
             <pc:sldMk cId="3511183673" sldId="261"/>
@@ -320,13 +448,196 @@
           </ac:picMkLst>
         </pc:picChg>
         <pc:picChg chg="add mod">
-          <ac:chgData name="Ke Yu" userId="a844e5b4-5ccb-4234-998f-a7928449601c" providerId="ADAL" clId="{E9DF7E1D-3C0E-48DC-B387-5B60D7C05EDA}" dt="2024-03-15T13:12:44.121" v="256" actId="1076"/>
+          <ac:chgData name="Ke Yu" userId="a844e5b4-5ccb-4234-998f-a7928449601c" providerId="ADAL" clId="{E9DF7E1D-3C0E-48DC-B387-5B60D7C05EDA}" dt="2024-04-02T17:33:53.732" v="501" actId="1076"/>
           <ac:picMkLst>
             <pc:docMk/>
             <pc:sldMk cId="3511183673" sldId="261"/>
             <ac:picMk id="1026" creationId="{21835A49-0292-67E7-BF3B-4BD04A314B14}"/>
           </ac:picMkLst>
         </pc:picChg>
+      </pc:sldChg>
+      <pc:sldChg chg="addSp modSp new add del mod">
+        <pc:chgData name="Ke Yu" userId="a844e5b4-5ccb-4234-998f-a7928449601c" providerId="ADAL" clId="{E9DF7E1D-3C0E-48DC-B387-5B60D7C05EDA}" dt="2024-04-02T17:34:22.736" v="504" actId="2696"/>
+        <pc:sldMkLst>
+          <pc:docMk/>
+          <pc:sldMk cId="3574056432" sldId="262"/>
+        </pc:sldMkLst>
+        <pc:spChg chg="mod">
+          <ac:chgData name="Ke Yu" userId="a844e5b4-5ccb-4234-998f-a7928449601c" providerId="ADAL" clId="{E9DF7E1D-3C0E-48DC-B387-5B60D7C05EDA}" dt="2024-03-29T20:18:09.637" v="433"/>
+          <ac:spMkLst>
+            <pc:docMk/>
+            <pc:sldMk cId="3574056432" sldId="262"/>
+            <ac:spMk id="4" creationId="{F2DFD3E6-E052-370A-9585-1F140E78F2C4}"/>
+          </ac:spMkLst>
+        </pc:spChg>
+        <pc:spChg chg="mod">
+          <ac:chgData name="Ke Yu" userId="a844e5b4-5ccb-4234-998f-a7928449601c" providerId="ADAL" clId="{E9DF7E1D-3C0E-48DC-B387-5B60D7C05EDA}" dt="2024-03-29T20:18:09.637" v="433"/>
+          <ac:spMkLst>
+            <pc:docMk/>
+            <pc:sldMk cId="3574056432" sldId="262"/>
+            <ac:spMk id="5" creationId="{5715A291-352B-91C1-B552-3BBAD5A5A581}"/>
+          </ac:spMkLst>
+        </pc:spChg>
+        <pc:spChg chg="mod">
+          <ac:chgData name="Ke Yu" userId="a844e5b4-5ccb-4234-998f-a7928449601c" providerId="ADAL" clId="{E9DF7E1D-3C0E-48DC-B387-5B60D7C05EDA}" dt="2024-03-29T20:18:09.637" v="433"/>
+          <ac:spMkLst>
+            <pc:docMk/>
+            <pc:sldMk cId="3574056432" sldId="262"/>
+            <ac:spMk id="6" creationId="{0ECFD719-AE79-150B-9970-1B39A69F76EB}"/>
+          </ac:spMkLst>
+        </pc:spChg>
+        <pc:spChg chg="add mod">
+          <ac:chgData name="Ke Yu" userId="a844e5b4-5ccb-4234-998f-a7928449601c" providerId="ADAL" clId="{E9DF7E1D-3C0E-48DC-B387-5B60D7C05EDA}" dt="2024-03-29T20:23:18.806" v="485" actId="1076"/>
+          <ac:spMkLst>
+            <pc:docMk/>
+            <pc:sldMk cId="3574056432" sldId="262"/>
+            <ac:spMk id="13" creationId="{84D76A35-8D1D-C29E-8963-365C7620CC90}"/>
+          </ac:spMkLst>
+        </pc:spChg>
+        <pc:spChg chg="add mod">
+          <ac:chgData name="Ke Yu" userId="a844e5b4-5ccb-4234-998f-a7928449601c" providerId="ADAL" clId="{E9DF7E1D-3C0E-48DC-B387-5B60D7C05EDA}" dt="2024-03-29T20:22:04.148" v="468" actId="1076"/>
+          <ac:spMkLst>
+            <pc:docMk/>
+            <pc:sldMk cId="3574056432" sldId="262"/>
+            <ac:spMk id="17" creationId="{D97B88F9-0804-B4B5-6A22-1ED78E9293EA}"/>
+          </ac:spMkLst>
+        </pc:spChg>
+        <pc:spChg chg="add mod">
+          <ac:chgData name="Ke Yu" userId="a844e5b4-5ccb-4234-998f-a7928449601c" providerId="ADAL" clId="{E9DF7E1D-3C0E-48DC-B387-5B60D7C05EDA}" dt="2024-03-29T20:23:18.806" v="485" actId="1076"/>
+          <ac:spMkLst>
+            <pc:docMk/>
+            <pc:sldMk cId="3574056432" sldId="262"/>
+            <ac:spMk id="31" creationId="{710AD50B-6905-FA0D-097F-666CE75A6134}"/>
+          </ac:spMkLst>
+        </pc:spChg>
+        <pc:spChg chg="add mod">
+          <ac:chgData name="Ke Yu" userId="a844e5b4-5ccb-4234-998f-a7928449601c" providerId="ADAL" clId="{E9DF7E1D-3C0E-48DC-B387-5B60D7C05EDA}" dt="2024-03-29T20:23:38.677" v="487" actId="1076"/>
+          <ac:spMkLst>
+            <pc:docMk/>
+            <pc:sldMk cId="3574056432" sldId="262"/>
+            <ac:spMk id="32" creationId="{5BFB2B08-9AB1-30E2-1216-2461D2498C87}"/>
+          </ac:spMkLst>
+        </pc:spChg>
+        <pc:grpChg chg="add mod">
+          <ac:chgData name="Ke Yu" userId="a844e5b4-5ccb-4234-998f-a7928449601c" providerId="ADAL" clId="{E9DF7E1D-3C0E-48DC-B387-5B60D7C05EDA}" dt="2024-03-29T20:18:09.637" v="433"/>
+          <ac:grpSpMkLst>
+            <pc:docMk/>
+            <pc:sldMk cId="3574056432" sldId="262"/>
+            <ac:grpSpMk id="2" creationId="{6AD996AA-6945-6590-EFE9-1F1B7FA17FF2}"/>
+          </ac:grpSpMkLst>
+        </pc:grpChg>
+        <pc:grpChg chg="mod">
+          <ac:chgData name="Ke Yu" userId="a844e5b4-5ccb-4234-998f-a7928449601c" providerId="ADAL" clId="{E9DF7E1D-3C0E-48DC-B387-5B60D7C05EDA}" dt="2024-03-29T20:18:09.637" v="433"/>
+          <ac:grpSpMkLst>
+            <pc:docMk/>
+            <pc:sldMk cId="3574056432" sldId="262"/>
+            <ac:grpSpMk id="3" creationId="{5982F538-5492-3EBF-1345-EF8A2B51D5DC}"/>
+          </ac:grpSpMkLst>
+        </pc:grpChg>
+        <pc:picChg chg="add mod modCrop">
+          <ac:chgData name="Ke Yu" userId="a844e5b4-5ccb-4234-998f-a7928449601c" providerId="ADAL" clId="{E9DF7E1D-3C0E-48DC-B387-5B60D7C05EDA}" dt="2024-03-29T20:21:38.035" v="464" actId="1076"/>
+          <ac:picMkLst>
+            <pc:docMk/>
+            <pc:sldMk cId="3574056432" sldId="262"/>
+            <ac:picMk id="18" creationId="{10B7FACA-24AA-030F-6BD3-44A36120282A}"/>
+          </ac:picMkLst>
+        </pc:picChg>
+        <pc:cxnChg chg="mod">
+          <ac:chgData name="Ke Yu" userId="a844e5b4-5ccb-4234-998f-a7928449601c" providerId="ADAL" clId="{E9DF7E1D-3C0E-48DC-B387-5B60D7C05EDA}" dt="2024-03-29T20:20:26.460" v="447" actId="14100"/>
+          <ac:cxnSpMkLst>
+            <pc:docMk/>
+            <pc:sldMk cId="3574056432" sldId="262"/>
+            <ac:cxnSpMk id="7" creationId="{084143E9-CB64-C599-F77F-25C96AEEB7A1}"/>
+          </ac:cxnSpMkLst>
+        </pc:cxnChg>
+        <pc:cxnChg chg="mod">
+          <ac:chgData name="Ke Yu" userId="a844e5b4-5ccb-4234-998f-a7928449601c" providerId="ADAL" clId="{E9DF7E1D-3C0E-48DC-B387-5B60D7C05EDA}" dt="2024-03-29T20:18:09.637" v="433"/>
+          <ac:cxnSpMkLst>
+            <pc:docMk/>
+            <pc:sldMk cId="3574056432" sldId="262"/>
+            <ac:cxnSpMk id="8" creationId="{97DE6324-6744-848A-2B39-91ECE7DF0996}"/>
+          </ac:cxnSpMkLst>
+        </pc:cxnChg>
+        <pc:cxnChg chg="mod">
+          <ac:chgData name="Ke Yu" userId="a844e5b4-5ccb-4234-998f-a7928449601c" providerId="ADAL" clId="{E9DF7E1D-3C0E-48DC-B387-5B60D7C05EDA}" dt="2024-03-29T20:18:09.637" v="433"/>
+          <ac:cxnSpMkLst>
+            <pc:docMk/>
+            <pc:sldMk cId="3574056432" sldId="262"/>
+            <ac:cxnSpMk id="9" creationId="{B7E7A9AB-9F2A-EF28-6EA0-BA5A932D60A6}"/>
+          </ac:cxnSpMkLst>
+        </pc:cxnChg>
+        <pc:cxnChg chg="add mod">
+          <ac:chgData name="Ke Yu" userId="a844e5b4-5ccb-4234-998f-a7928449601c" providerId="ADAL" clId="{E9DF7E1D-3C0E-48DC-B387-5B60D7C05EDA}" dt="2024-03-29T20:23:18.806" v="485" actId="1076"/>
+          <ac:cxnSpMkLst>
+            <pc:docMk/>
+            <pc:sldMk cId="3574056432" sldId="262"/>
+            <ac:cxnSpMk id="10" creationId="{E681B0B6-BD10-8E3D-B760-10BF59D505ED}"/>
+          </ac:cxnSpMkLst>
+        </pc:cxnChg>
+        <pc:cxnChg chg="add mod">
+          <ac:chgData name="Ke Yu" userId="a844e5b4-5ccb-4234-998f-a7928449601c" providerId="ADAL" clId="{E9DF7E1D-3C0E-48DC-B387-5B60D7C05EDA}" dt="2024-03-29T20:23:18.806" v="485" actId="1076"/>
+          <ac:cxnSpMkLst>
+            <pc:docMk/>
+            <pc:sldMk cId="3574056432" sldId="262"/>
+            <ac:cxnSpMk id="11" creationId="{76F8CC98-A1C8-52E6-CAC4-D952065A4C8C}"/>
+          </ac:cxnSpMkLst>
+        </pc:cxnChg>
+        <pc:cxnChg chg="add mod">
+          <ac:chgData name="Ke Yu" userId="a844e5b4-5ccb-4234-998f-a7928449601c" providerId="ADAL" clId="{E9DF7E1D-3C0E-48DC-B387-5B60D7C05EDA}" dt="2024-03-29T20:23:18.806" v="485" actId="1076"/>
+          <ac:cxnSpMkLst>
+            <pc:docMk/>
+            <pc:sldMk cId="3574056432" sldId="262"/>
+            <ac:cxnSpMk id="12" creationId="{23E3E53A-082B-9A83-6734-099FE2BFD93B}"/>
+          </ac:cxnSpMkLst>
+        </pc:cxnChg>
+        <pc:cxnChg chg="add mod">
+          <ac:chgData name="Ke Yu" userId="a844e5b4-5ccb-4234-998f-a7928449601c" providerId="ADAL" clId="{E9DF7E1D-3C0E-48DC-B387-5B60D7C05EDA}" dt="2024-03-29T20:19:45.476" v="443" actId="1076"/>
+          <ac:cxnSpMkLst>
+            <pc:docMk/>
+            <pc:sldMk cId="3574056432" sldId="262"/>
+            <ac:cxnSpMk id="14" creationId="{9549728C-0379-6F2E-EF68-636F340E056D}"/>
+          </ac:cxnSpMkLst>
+        </pc:cxnChg>
+        <pc:cxnChg chg="add mod">
+          <ac:chgData name="Ke Yu" userId="a844e5b4-5ccb-4234-998f-a7928449601c" providerId="ADAL" clId="{E9DF7E1D-3C0E-48DC-B387-5B60D7C05EDA}" dt="2024-03-29T20:19:45.476" v="443" actId="1076"/>
+          <ac:cxnSpMkLst>
+            <pc:docMk/>
+            <pc:sldMk cId="3574056432" sldId="262"/>
+            <ac:cxnSpMk id="15" creationId="{C4E2730E-4874-7C9C-C11C-D2A0CC133D5D}"/>
+          </ac:cxnSpMkLst>
+        </pc:cxnChg>
+        <pc:cxnChg chg="add mod">
+          <ac:chgData name="Ke Yu" userId="a844e5b4-5ccb-4234-998f-a7928449601c" providerId="ADAL" clId="{E9DF7E1D-3C0E-48DC-B387-5B60D7C05EDA}" dt="2024-03-29T20:19:45.476" v="443" actId="1076"/>
+          <ac:cxnSpMkLst>
+            <pc:docMk/>
+            <pc:sldMk cId="3574056432" sldId="262"/>
+            <ac:cxnSpMk id="16" creationId="{CDFF85A7-71B1-1892-5FE6-3791B16B5F9C}"/>
+          </ac:cxnSpMkLst>
+        </pc:cxnChg>
+        <pc:cxnChg chg="add mod">
+          <ac:chgData name="Ke Yu" userId="a844e5b4-5ccb-4234-998f-a7928449601c" providerId="ADAL" clId="{E9DF7E1D-3C0E-48DC-B387-5B60D7C05EDA}" dt="2024-03-29T20:23:18.806" v="485" actId="1076"/>
+          <ac:cxnSpMkLst>
+            <pc:docMk/>
+            <pc:sldMk cId="3574056432" sldId="262"/>
+            <ac:cxnSpMk id="25" creationId="{4708CA0A-AC5E-458F-0CDD-A1A654D2F629}"/>
+          </ac:cxnSpMkLst>
+        </pc:cxnChg>
+        <pc:cxnChg chg="add mod">
+          <ac:chgData name="Ke Yu" userId="a844e5b4-5ccb-4234-998f-a7928449601c" providerId="ADAL" clId="{E9DF7E1D-3C0E-48DC-B387-5B60D7C05EDA}" dt="2024-03-29T20:23:18.806" v="485" actId="1076"/>
+          <ac:cxnSpMkLst>
+            <pc:docMk/>
+            <pc:sldMk cId="3574056432" sldId="262"/>
+            <ac:cxnSpMk id="26" creationId="{E39F9542-E8A3-5F43-6223-0E4162D78504}"/>
+          </ac:cxnSpMkLst>
+        </pc:cxnChg>
+        <pc:cxnChg chg="add mod">
+          <ac:chgData name="Ke Yu" userId="a844e5b4-5ccb-4234-998f-a7928449601c" providerId="ADAL" clId="{E9DF7E1D-3C0E-48DC-B387-5B60D7C05EDA}" dt="2024-03-29T20:23:38.677" v="487" actId="1076"/>
+          <ac:cxnSpMkLst>
+            <pc:docMk/>
+            <pc:sldMk cId="3574056432" sldId="262"/>
+            <ac:cxnSpMk id="33" creationId="{BD3B141C-3953-D4AA-13E7-4513D2B83E38}"/>
+          </ac:cxnSpMkLst>
+        </pc:cxnChg>
       </pc:sldChg>
       <pc:sldChg chg="del">
         <pc:chgData name="Ke Yu" userId="a844e5b4-5ccb-4234-998f-a7928449601c" providerId="ADAL" clId="{E9DF7E1D-3C0E-48DC-B387-5B60D7C05EDA}" dt="2024-03-08T02:26:42.535" v="202" actId="47"/>
@@ -658,6 +969,38 @@
       </pc:sldChg>
     </pc:docChg>
   </pc:docChgLst>
+  <pc:docChgLst>
+    <pc:chgData name="Ke Yu" userId="a844e5b4-5ccb-4234-998f-a7928449601c" providerId="ADAL" clId="{F118E67C-00EB-46CA-AEDE-5D3C93025B0D}"/>
+    <pc:docChg chg="modSld">
+      <pc:chgData name="Ke Yu" userId="a844e5b4-5ccb-4234-998f-a7928449601c" providerId="ADAL" clId="{F118E67C-00EB-46CA-AEDE-5D3C93025B0D}" dt="2024-03-27T21:06:35.123" v="1" actId="14826"/>
+      <pc:docMkLst>
+        <pc:docMk/>
+      </pc:docMkLst>
+      <pc:sldChg chg="modSp">
+        <pc:chgData name="Ke Yu" userId="a844e5b4-5ccb-4234-998f-a7928449601c" providerId="ADAL" clId="{F118E67C-00EB-46CA-AEDE-5D3C93025B0D}" dt="2024-03-27T21:06:35.123" v="1" actId="14826"/>
+        <pc:sldMkLst>
+          <pc:docMk/>
+          <pc:sldMk cId="3511183673" sldId="261"/>
+        </pc:sldMkLst>
+        <pc:picChg chg="mod">
+          <ac:chgData name="Ke Yu" userId="a844e5b4-5ccb-4234-998f-a7928449601c" providerId="ADAL" clId="{F118E67C-00EB-46CA-AEDE-5D3C93025B0D}" dt="2024-03-27T21:06:26.090" v="0" actId="14826"/>
+          <ac:picMkLst>
+            <pc:docMk/>
+            <pc:sldMk cId="3511183673" sldId="261"/>
+            <ac:picMk id="1025" creationId="{8287B1E4-36CE-5920-AB4B-AEF3ED7449EF}"/>
+          </ac:picMkLst>
+        </pc:picChg>
+        <pc:picChg chg="mod">
+          <ac:chgData name="Ke Yu" userId="a844e5b4-5ccb-4234-998f-a7928449601c" providerId="ADAL" clId="{F118E67C-00EB-46CA-AEDE-5D3C93025B0D}" dt="2024-03-27T21:06:35.123" v="1" actId="14826"/>
+          <ac:picMkLst>
+            <pc:docMk/>
+            <pc:sldMk cId="3511183673" sldId="261"/>
+            <ac:picMk id="1026" creationId="{21835A49-0292-67E7-BF3B-4BD04A314B14}"/>
+          </ac:picMkLst>
+        </pc:picChg>
+      </pc:sldChg>
+    </pc:docChg>
+  </pc:docChgLst>
 </pc:chgInfo>
 </file>
 
@@ -743,7 +1086,7 @@
           <a:p>
             <a:fld id="{EB033B41-5916-4B0F-ABD7-E44CB5BFDEA7}" type="datetimeFigureOut">
               <a:rPr lang="en-US" smtClean="0"/>
-              <a:t>3/22/2024</a:t>
+              <a:t>4/2/2024</a:t>
             </a:fld>
             <a:endParaRPr lang="en-US"/>
           </a:p>
@@ -1157,7 +1500,7 @@
           <a:p>
             <a:fld id="{4FC11E3B-EF57-4989-9A3F-CE8491983F07}" type="datetimeFigureOut">
               <a:rPr lang="en-US" smtClean="0"/>
-              <a:t>3/22/2024</a:t>
+              <a:t>4/2/2024</a:t>
             </a:fld>
             <a:endParaRPr lang="en-US"/>
           </a:p>
@@ -1355,7 +1698,7 @@
           <a:p>
             <a:fld id="{4FC11E3B-EF57-4989-9A3F-CE8491983F07}" type="datetimeFigureOut">
               <a:rPr lang="en-US" smtClean="0"/>
-              <a:t>3/22/2024</a:t>
+              <a:t>4/2/2024</a:t>
             </a:fld>
             <a:endParaRPr lang="en-US"/>
           </a:p>
@@ -1563,7 +1906,7 @@
           <a:p>
             <a:fld id="{4FC11E3B-EF57-4989-9A3F-CE8491983F07}" type="datetimeFigureOut">
               <a:rPr lang="en-US" smtClean="0"/>
-              <a:t>3/22/2024</a:t>
+              <a:t>4/2/2024</a:t>
             </a:fld>
             <a:endParaRPr lang="en-US"/>
           </a:p>
@@ -1761,7 +2104,7 @@
           <a:p>
             <a:fld id="{4FC11E3B-EF57-4989-9A3F-CE8491983F07}" type="datetimeFigureOut">
               <a:rPr lang="en-US" smtClean="0"/>
-              <a:t>3/22/2024</a:t>
+              <a:t>4/2/2024</a:t>
             </a:fld>
             <a:endParaRPr lang="en-US"/>
           </a:p>
@@ -2036,7 +2379,7 @@
           <a:p>
             <a:fld id="{4FC11E3B-EF57-4989-9A3F-CE8491983F07}" type="datetimeFigureOut">
               <a:rPr lang="en-US" smtClean="0"/>
-              <a:t>3/22/2024</a:t>
+              <a:t>4/2/2024</a:t>
             </a:fld>
             <a:endParaRPr lang="en-US"/>
           </a:p>
@@ -2301,7 +2644,7 @@
           <a:p>
             <a:fld id="{4FC11E3B-EF57-4989-9A3F-CE8491983F07}" type="datetimeFigureOut">
               <a:rPr lang="en-US" smtClean="0"/>
-              <a:t>3/22/2024</a:t>
+              <a:t>4/2/2024</a:t>
             </a:fld>
             <a:endParaRPr lang="en-US"/>
           </a:p>
@@ -2713,7 +3056,7 @@
           <a:p>
             <a:fld id="{4FC11E3B-EF57-4989-9A3F-CE8491983F07}" type="datetimeFigureOut">
               <a:rPr lang="en-US" smtClean="0"/>
-              <a:t>3/22/2024</a:t>
+              <a:t>4/2/2024</a:t>
             </a:fld>
             <a:endParaRPr lang="en-US"/>
           </a:p>
@@ -2854,7 +3197,7 @@
           <a:p>
             <a:fld id="{4FC11E3B-EF57-4989-9A3F-CE8491983F07}" type="datetimeFigureOut">
               <a:rPr lang="en-US" smtClean="0"/>
-              <a:t>3/22/2024</a:t>
+              <a:t>4/2/2024</a:t>
             </a:fld>
             <a:endParaRPr lang="en-US"/>
           </a:p>
@@ -2967,7 +3310,7 @@
           <a:p>
             <a:fld id="{4FC11E3B-EF57-4989-9A3F-CE8491983F07}" type="datetimeFigureOut">
               <a:rPr lang="en-US" smtClean="0"/>
-              <a:t>3/22/2024</a:t>
+              <a:t>4/2/2024</a:t>
             </a:fld>
             <a:endParaRPr lang="en-US"/>
           </a:p>
@@ -3278,7 +3621,7 @@
           <a:p>
             <a:fld id="{4FC11E3B-EF57-4989-9A3F-CE8491983F07}" type="datetimeFigureOut">
               <a:rPr lang="en-US" smtClean="0"/>
-              <a:t>3/22/2024</a:t>
+              <a:t>4/2/2024</a:t>
             </a:fld>
             <a:endParaRPr lang="en-US"/>
           </a:p>
@@ -3566,7 +3909,7 @@
           <a:p>
             <a:fld id="{4FC11E3B-EF57-4989-9A3F-CE8491983F07}" type="datetimeFigureOut">
               <a:rPr lang="en-US" smtClean="0"/>
-              <a:t>3/22/2024</a:t>
+              <a:t>4/2/2024</a:t>
             </a:fld>
             <a:endParaRPr lang="en-US"/>
           </a:p>
@@ -3807,7 +4150,7 @@
           <a:p>
             <a:fld id="{4FC11E3B-EF57-4989-9A3F-CE8491983F07}" type="datetimeFigureOut">
               <a:rPr lang="en-US" smtClean="0"/>
-              <a:t>3/22/2024</a:t>
+              <a:t>4/2/2024</a:t>
             </a:fld>
             <a:endParaRPr lang="en-US"/>
           </a:p>
@@ -4321,16 +4664,30 @@
           </p:cNvPicPr>
           <p:nvPr/>
         </p:nvPicPr>
-        <p:blipFill>
-          <a:blip r:embed="rId3"/>
-          <a:stretch>
-            <a:fillRect/>
-          </a:stretch>
+        <p:blipFill rotWithShape="1">
+          <a:blip r:embed="rId3">
+            <a:extLst>
+              <a:ext uri="{BEBA8EAE-BF5A-486C-A8C5-ECC9F3942E4B}">
+                <a14:imgProps xmlns:a14="http://schemas.microsoft.com/office/drawing/2010/main">
+                  <a14:imgLayer r:embed="rId4">
+                    <a14:imgEffect>
+                      <a14:brightnessContrast bright="10000" contrast="-10000"/>
+                    </a14:imgEffect>
+                  </a14:imgLayer>
+                </a14:imgProps>
+              </a:ext>
+              <a:ext uri="{28A0092B-C50C-407E-A947-70E740481C1C}">
+                <a14:useLocalDpi xmlns:a14="http://schemas.microsoft.com/office/drawing/2010/main" val="0"/>
+              </a:ext>
+            </a:extLst>
+          </a:blip>
+          <a:srcRect l="41447" t="31593" r="42535" b="23447"/>
+          <a:stretch/>
         </p:blipFill>
         <p:spPr>
           <a:xfrm>
-            <a:off x="1357324" y="1674062"/>
-            <a:ext cx="2777020" cy="4690188"/>
+            <a:off x="1255465" y="1382875"/>
+            <a:ext cx="3094667" cy="5266759"/>
           </a:xfrm>
           <a:prstGeom prst="rect">
             <a:avLst/>
@@ -4403,7 +4760,7 @@
         </p:nvSpPr>
         <p:spPr>
           <a:xfrm>
-            <a:off x="2541448" y="6183087"/>
+            <a:off x="2472167" y="5942474"/>
             <a:ext cx="204386" cy="223935"/>
           </a:xfrm>
           <a:prstGeom prst="ellipse">
@@ -4455,7 +4812,7 @@
         </p:nvSpPr>
         <p:spPr>
           <a:xfrm>
-            <a:off x="2446843" y="6357258"/>
+            <a:off x="2321990" y="6419207"/>
             <a:ext cx="709126" cy="369332"/>
           </a:xfrm>
           <a:prstGeom prst="rect">
@@ -4868,6 +5225,315 @@
           </a:p>
         </p:txBody>
       </p:sp>
+      <p:pic>
+        <p:nvPicPr>
+          <p:cNvPr id="20" name="Picture 19">
+            <a:extLst>
+              <a:ext uri="{FF2B5EF4-FFF2-40B4-BE49-F238E27FC236}">
+                <a16:creationId xmlns:a16="http://schemas.microsoft.com/office/drawing/2014/main" id="{EDA731F7-45FB-B655-A680-282BF382FC85}"/>
+              </a:ext>
+            </a:extLst>
+          </p:cNvPr>
+          <p:cNvPicPr>
+            <a:picLocks noChangeAspect="1"/>
+          </p:cNvPicPr>
+          <p:nvPr/>
+        </p:nvPicPr>
+        <p:blipFill>
+          <a:blip r:embed="rId5"/>
+          <a:stretch>
+            <a:fillRect/>
+          </a:stretch>
+        </p:blipFill>
+        <p:spPr>
+          <a:xfrm>
+            <a:off x="7167333" y="831719"/>
+            <a:ext cx="4583496" cy="3151153"/>
+          </a:xfrm>
+          <a:prstGeom prst="rect">
+            <a:avLst/>
+          </a:prstGeom>
+        </p:spPr>
+      </p:pic>
+      <p:grpSp>
+        <p:nvGrpSpPr>
+          <p:cNvPr id="21" name="Group 20">
+            <a:extLst>
+              <a:ext uri="{FF2B5EF4-FFF2-40B4-BE49-F238E27FC236}">
+                <a16:creationId xmlns:a16="http://schemas.microsoft.com/office/drawing/2014/main" id="{0D916AA9-1B66-082F-7A6E-D9C8D7EABF3B}"/>
+              </a:ext>
+            </a:extLst>
+          </p:cNvPr>
+          <p:cNvGrpSpPr/>
+          <p:nvPr/>
+        </p:nvGrpSpPr>
+        <p:grpSpPr>
+          <a:xfrm>
+            <a:off x="569661" y="5785256"/>
+            <a:ext cx="646837" cy="538370"/>
+            <a:chOff x="972904" y="4854117"/>
+            <a:chExt cx="646837" cy="538370"/>
+          </a:xfrm>
+        </p:grpSpPr>
+        <p:grpSp>
+          <p:nvGrpSpPr>
+            <p:cNvPr id="22" name="Group 21">
+              <a:extLst>
+                <a:ext uri="{FF2B5EF4-FFF2-40B4-BE49-F238E27FC236}">
+                  <a16:creationId xmlns:a16="http://schemas.microsoft.com/office/drawing/2014/main" id="{86B16128-55F9-3881-D1CA-C4363D6D0D00}"/>
+                </a:ext>
+              </a:extLst>
+            </p:cNvPr>
+            <p:cNvGrpSpPr/>
+            <p:nvPr/>
+          </p:nvGrpSpPr>
+          <p:grpSpPr>
+            <a:xfrm>
+              <a:off x="1128929" y="5023159"/>
+              <a:ext cx="489035" cy="369328"/>
+              <a:chOff x="951371" y="4989160"/>
+              <a:chExt cx="661182" cy="499336"/>
+            </a:xfrm>
+          </p:grpSpPr>
+          <p:cxnSp>
+            <p:nvCxnSpPr>
+              <p:cNvPr id="26" name="Straight Arrow Connector 25">
+                <a:extLst>
+                  <a:ext uri="{FF2B5EF4-FFF2-40B4-BE49-F238E27FC236}">
+                    <a16:creationId xmlns:a16="http://schemas.microsoft.com/office/drawing/2014/main" id="{A3BC88AF-A2BA-3B25-0C9D-DD95D80A0712}"/>
+                  </a:ext>
+                </a:extLst>
+              </p:cNvPr>
+              <p:cNvCxnSpPr>
+                <a:cxnSpLocks/>
+              </p:cNvCxnSpPr>
+              <p:nvPr/>
+            </p:nvCxnSpPr>
+            <p:spPr>
+              <a:xfrm flipV="1">
+                <a:off x="1165412" y="5443981"/>
+                <a:ext cx="447141" cy="30493"/>
+              </a:xfrm>
+              <a:prstGeom prst="straightConnector1">
+                <a:avLst/>
+              </a:prstGeom>
+              <a:ln w="25400">
+                <a:tailEnd type="triangle"/>
+              </a:ln>
+            </p:spPr>
+            <p:style>
+              <a:lnRef idx="1">
+                <a:schemeClr val="dk1"/>
+              </a:lnRef>
+              <a:fillRef idx="0">
+                <a:schemeClr val="dk1"/>
+              </a:fillRef>
+              <a:effectRef idx="0">
+                <a:schemeClr val="dk1"/>
+              </a:effectRef>
+              <a:fontRef idx="minor">
+                <a:schemeClr val="tx1"/>
+              </a:fontRef>
+            </p:style>
+          </p:cxnSp>
+          <p:cxnSp>
+            <p:nvCxnSpPr>
+              <p:cNvPr id="27" name="Straight Arrow Connector 26">
+                <a:extLst>
+                  <a:ext uri="{FF2B5EF4-FFF2-40B4-BE49-F238E27FC236}">
+                    <a16:creationId xmlns:a16="http://schemas.microsoft.com/office/drawing/2014/main" id="{06A28DDC-F462-59FF-FA3C-1342F651D0EF}"/>
+                  </a:ext>
+                </a:extLst>
+              </p:cNvPr>
+              <p:cNvCxnSpPr>
+                <a:cxnSpLocks/>
+              </p:cNvCxnSpPr>
+              <p:nvPr/>
+            </p:nvCxnSpPr>
+            <p:spPr>
+              <a:xfrm flipV="1">
+                <a:off x="1165412" y="4989160"/>
+                <a:ext cx="0" cy="499336"/>
+              </a:xfrm>
+              <a:prstGeom prst="straightConnector1">
+                <a:avLst/>
+              </a:prstGeom>
+              <a:ln w="25400">
+                <a:tailEnd type="triangle"/>
+              </a:ln>
+            </p:spPr>
+            <p:style>
+              <a:lnRef idx="1">
+                <a:schemeClr val="dk1"/>
+              </a:lnRef>
+              <a:fillRef idx="0">
+                <a:schemeClr val="dk1"/>
+              </a:fillRef>
+              <a:effectRef idx="0">
+                <a:schemeClr val="dk1"/>
+              </a:effectRef>
+              <a:fontRef idx="minor">
+                <a:schemeClr val="tx1"/>
+              </a:fontRef>
+            </p:style>
+          </p:cxnSp>
+          <p:cxnSp>
+            <p:nvCxnSpPr>
+              <p:cNvPr id="28" name="Straight Arrow Connector 27">
+                <a:extLst>
+                  <a:ext uri="{FF2B5EF4-FFF2-40B4-BE49-F238E27FC236}">
+                    <a16:creationId xmlns:a16="http://schemas.microsoft.com/office/drawing/2014/main" id="{7C1F6659-4D38-2257-4C01-C2D1FBC98F05}"/>
+                  </a:ext>
+                </a:extLst>
+              </p:cNvPr>
+              <p:cNvCxnSpPr>
+                <a:cxnSpLocks/>
+              </p:cNvCxnSpPr>
+              <p:nvPr/>
+            </p:nvCxnSpPr>
+            <p:spPr>
+              <a:xfrm flipH="1" flipV="1">
+                <a:off x="951371" y="5330217"/>
+                <a:ext cx="212003" cy="144258"/>
+              </a:xfrm>
+              <a:prstGeom prst="straightConnector1">
+                <a:avLst/>
+              </a:prstGeom>
+              <a:ln w="25400">
+                <a:tailEnd type="triangle"/>
+              </a:ln>
+            </p:spPr>
+            <p:style>
+              <a:lnRef idx="1">
+                <a:schemeClr val="dk1"/>
+              </a:lnRef>
+              <a:fillRef idx="0">
+                <a:schemeClr val="dk1"/>
+              </a:fillRef>
+              <a:effectRef idx="0">
+                <a:schemeClr val="dk1"/>
+              </a:effectRef>
+              <a:fontRef idx="minor">
+                <a:schemeClr val="tx1"/>
+              </a:fontRef>
+            </p:style>
+          </p:cxnSp>
+        </p:grpSp>
+        <p:sp>
+          <p:nvSpPr>
+            <p:cNvPr id="23" name="TextBox 22">
+              <a:extLst>
+                <a:ext uri="{FF2B5EF4-FFF2-40B4-BE49-F238E27FC236}">
+                  <a16:creationId xmlns:a16="http://schemas.microsoft.com/office/drawing/2014/main" id="{7597A0CB-2854-DB44-4E2A-5963E44B4A7D}"/>
+                </a:ext>
+              </a:extLst>
+            </p:cNvPr>
+            <p:cNvSpPr txBox="1"/>
+            <p:nvPr/>
+          </p:nvSpPr>
+          <p:spPr>
+            <a:xfrm>
+              <a:off x="1429671" y="5093840"/>
+              <a:ext cx="190070" cy="276999"/>
+            </a:xfrm>
+            <a:prstGeom prst="rect">
+              <a:avLst/>
+            </a:prstGeom>
+            <a:noFill/>
+          </p:spPr>
+          <p:txBody>
+            <a:bodyPr wrap="square">
+              <a:spAutoFit/>
+            </a:bodyPr>
+            <a:lstStyle/>
+            <a:p>
+              <a:r>
+                <a:rPr lang="en-US" sz="1200" dirty="0">
+                  <a:latin typeface="Times New Roman" panose="02020603050405020304" pitchFamily="18" charset="0"/>
+                  <a:cs typeface="Times New Roman" panose="02020603050405020304" pitchFamily="18" charset="0"/>
+                </a:rPr>
+                <a:t>X</a:t>
+              </a:r>
+            </a:p>
+          </p:txBody>
+        </p:sp>
+        <p:sp>
+          <p:nvSpPr>
+            <p:cNvPr id="24" name="TextBox 23">
+              <a:extLst>
+                <a:ext uri="{FF2B5EF4-FFF2-40B4-BE49-F238E27FC236}">
+                  <a16:creationId xmlns:a16="http://schemas.microsoft.com/office/drawing/2014/main" id="{DB33E7E5-248D-AA21-86D5-AF4F7E37ADCB}"/>
+                </a:ext>
+              </a:extLst>
+            </p:cNvPr>
+            <p:cNvSpPr txBox="1"/>
+            <p:nvPr/>
+          </p:nvSpPr>
+          <p:spPr>
+            <a:xfrm>
+              <a:off x="1222908" y="4854117"/>
+              <a:ext cx="190070" cy="276999"/>
+            </a:xfrm>
+            <a:prstGeom prst="rect">
+              <a:avLst/>
+            </a:prstGeom>
+            <a:noFill/>
+          </p:spPr>
+          <p:txBody>
+            <a:bodyPr wrap="square">
+              <a:spAutoFit/>
+            </a:bodyPr>
+            <a:lstStyle/>
+            <a:p>
+              <a:r>
+                <a:rPr lang="en-US" sz="1200" dirty="0">
+                  <a:latin typeface="Times New Roman" panose="02020603050405020304" pitchFamily="18" charset="0"/>
+                  <a:cs typeface="Times New Roman" panose="02020603050405020304" pitchFamily="18" charset="0"/>
+                </a:rPr>
+                <a:t>Z</a:t>
+              </a:r>
+            </a:p>
+          </p:txBody>
+        </p:sp>
+        <p:sp>
+          <p:nvSpPr>
+            <p:cNvPr id="25" name="TextBox 24">
+              <a:extLst>
+                <a:ext uri="{FF2B5EF4-FFF2-40B4-BE49-F238E27FC236}">
+                  <a16:creationId xmlns:a16="http://schemas.microsoft.com/office/drawing/2014/main" id="{A4B01246-0AF4-86D5-183A-5811990C8D75}"/>
+                </a:ext>
+              </a:extLst>
+            </p:cNvPr>
+            <p:cNvSpPr txBox="1"/>
+            <p:nvPr/>
+          </p:nvSpPr>
+          <p:spPr>
+            <a:xfrm>
+              <a:off x="972904" y="5064768"/>
+              <a:ext cx="190070" cy="276999"/>
+            </a:xfrm>
+            <a:prstGeom prst="rect">
+              <a:avLst/>
+            </a:prstGeom>
+            <a:noFill/>
+          </p:spPr>
+          <p:txBody>
+            <a:bodyPr wrap="square">
+              <a:spAutoFit/>
+            </a:bodyPr>
+            <a:lstStyle/>
+            <a:p>
+              <a:r>
+                <a:rPr lang="en-US" sz="1200" dirty="0">
+                  <a:latin typeface="Times New Roman" panose="02020603050405020304" pitchFamily="18" charset="0"/>
+                  <a:cs typeface="Times New Roman" panose="02020603050405020304" pitchFamily="18" charset="0"/>
+                </a:rPr>
+                <a:t>Y</a:t>
+              </a:r>
+            </a:p>
+          </p:txBody>
+        </p:sp>
+      </p:grpSp>
     </p:spTree>
     <p:extLst>
       <p:ext uri="{BB962C8B-B14F-4D97-AF65-F5344CB8AC3E}">
@@ -5024,13 +5690,13 @@
               </a:ext>
             </a:extLst>
           </a:blip>
-          <a:srcRect l="7899" r="6987"/>
+          <a:srcRect l="8600" r="7804"/>
           <a:stretch/>
         </p:blipFill>
         <p:spPr bwMode="auto">
           <a:xfrm>
-            <a:off x="1" y="0"/>
-            <a:ext cx="6096000" cy="6016866"/>
+            <a:off x="68425" y="0"/>
+            <a:ext cx="6027575" cy="5605561"/>
           </a:xfrm>
           <a:prstGeom prst="rect">
             <a:avLst/>
@@ -5069,13 +5735,13 @@
               </a:ext>
             </a:extLst>
           </a:blip>
-          <a:srcRect l="8160" r="7548"/>
+          <a:srcRect l="8463" r="8375"/>
           <a:stretch/>
         </p:blipFill>
         <p:spPr bwMode="auto">
           <a:xfrm>
-            <a:off x="6154858" y="0"/>
-            <a:ext cx="6037141" cy="6016866"/>
+            <a:off x="6096000" y="0"/>
+            <a:ext cx="5946806" cy="5555797"/>
           </a:xfrm>
           <a:prstGeom prst="rect">
             <a:avLst/>

--- a/Unconfined Compression calibration/UC test.pptx
+++ b/Unconfined Compression calibration/UC test.pptx
@@ -5,12 +5,13 @@
     <p:sldMasterId id="2147483648" r:id="rId1"/>
   </p:sldMasterIdLst>
   <p:notesMasterIdLst>
-    <p:notesMasterId r:id="rId5"/>
+    <p:notesMasterId r:id="rId6"/>
   </p:notesMasterIdLst>
   <p:sldIdLst>
     <p:sldId id="259" r:id="rId2"/>
-    <p:sldId id="257" r:id="rId3"/>
-    <p:sldId id="261" r:id="rId4"/>
+    <p:sldId id="262" r:id="rId3"/>
+    <p:sldId id="257" r:id="rId4"/>
+    <p:sldId id="261" r:id="rId5"/>
   </p:sldIdLst>
   <p:sldSz cx="12192000" cy="6858000"/>
   <p:notesSz cx="6858000" cy="9144000"/>
@@ -656,6 +657,38 @@
     </pc:docChg>
   </pc:docChgLst>
   <pc:docChgLst>
+    <pc:chgData name="Ke Yu" userId="a844e5b4-5ccb-4234-998f-a7928449601c" providerId="ADAL" clId="{F118E67C-00EB-46CA-AEDE-5D3C93025B0D}"/>
+    <pc:docChg chg="modSld">
+      <pc:chgData name="Ke Yu" userId="a844e5b4-5ccb-4234-998f-a7928449601c" providerId="ADAL" clId="{F118E67C-00EB-46CA-AEDE-5D3C93025B0D}" dt="2024-03-27T21:06:35.123" v="1" actId="14826"/>
+      <pc:docMkLst>
+        <pc:docMk/>
+      </pc:docMkLst>
+      <pc:sldChg chg="modSp">
+        <pc:chgData name="Ke Yu" userId="a844e5b4-5ccb-4234-998f-a7928449601c" providerId="ADAL" clId="{F118E67C-00EB-46CA-AEDE-5D3C93025B0D}" dt="2024-03-27T21:06:35.123" v="1" actId="14826"/>
+        <pc:sldMkLst>
+          <pc:docMk/>
+          <pc:sldMk cId="3511183673" sldId="261"/>
+        </pc:sldMkLst>
+        <pc:picChg chg="mod">
+          <ac:chgData name="Ke Yu" userId="a844e5b4-5ccb-4234-998f-a7928449601c" providerId="ADAL" clId="{F118E67C-00EB-46CA-AEDE-5D3C93025B0D}" dt="2024-03-27T21:06:26.090" v="0" actId="14826"/>
+          <ac:picMkLst>
+            <pc:docMk/>
+            <pc:sldMk cId="3511183673" sldId="261"/>
+            <ac:picMk id="1025" creationId="{8287B1E4-36CE-5920-AB4B-AEF3ED7449EF}"/>
+          </ac:picMkLst>
+        </pc:picChg>
+        <pc:picChg chg="mod">
+          <ac:chgData name="Ke Yu" userId="a844e5b4-5ccb-4234-998f-a7928449601c" providerId="ADAL" clId="{F118E67C-00EB-46CA-AEDE-5D3C93025B0D}" dt="2024-03-27T21:06:35.123" v="1" actId="14826"/>
+          <ac:picMkLst>
+            <pc:docMk/>
+            <pc:sldMk cId="3511183673" sldId="261"/>
+            <ac:picMk id="1026" creationId="{21835A49-0292-67E7-BF3B-4BD04A314B14}"/>
+          </ac:picMkLst>
+        </pc:picChg>
+      </pc:sldChg>
+    </pc:docChg>
+  </pc:docChgLst>
+  <pc:docChgLst>
     <pc:chgData name="Ke Yu" userId="a844e5b4-5ccb-4234-998f-a7928449601c" providerId="ADAL" clId="{59D05A68-94C7-4C2E-AFE5-03440830F8E3}"/>
     <pc:docChg chg="undo custSel addSld delSld modSld">
       <pc:chgData name="Ke Yu" userId="a844e5b4-5ccb-4234-998f-a7928449601c" providerId="ADAL" clId="{59D05A68-94C7-4C2E-AFE5-03440830F8E3}" dt="2024-02-20T21:34:39.511" v="96" actId="1076"/>
@@ -964,38 +997,6 @@
             <pc:docMk/>
             <pc:sldMk cId="3947339288" sldId="262"/>
             <ac:picMk id="3" creationId="{20C0CF02-6C41-95B8-884A-9F3D417E5E84}"/>
-          </ac:picMkLst>
-        </pc:picChg>
-      </pc:sldChg>
-    </pc:docChg>
-  </pc:docChgLst>
-  <pc:docChgLst>
-    <pc:chgData name="Ke Yu" userId="a844e5b4-5ccb-4234-998f-a7928449601c" providerId="ADAL" clId="{F118E67C-00EB-46CA-AEDE-5D3C93025B0D}"/>
-    <pc:docChg chg="modSld">
-      <pc:chgData name="Ke Yu" userId="a844e5b4-5ccb-4234-998f-a7928449601c" providerId="ADAL" clId="{F118E67C-00EB-46CA-AEDE-5D3C93025B0D}" dt="2024-03-27T21:06:35.123" v="1" actId="14826"/>
-      <pc:docMkLst>
-        <pc:docMk/>
-      </pc:docMkLst>
-      <pc:sldChg chg="modSp">
-        <pc:chgData name="Ke Yu" userId="a844e5b4-5ccb-4234-998f-a7928449601c" providerId="ADAL" clId="{F118E67C-00EB-46CA-AEDE-5D3C93025B0D}" dt="2024-03-27T21:06:35.123" v="1" actId="14826"/>
-        <pc:sldMkLst>
-          <pc:docMk/>
-          <pc:sldMk cId="3511183673" sldId="261"/>
-        </pc:sldMkLst>
-        <pc:picChg chg="mod">
-          <ac:chgData name="Ke Yu" userId="a844e5b4-5ccb-4234-998f-a7928449601c" providerId="ADAL" clId="{F118E67C-00EB-46CA-AEDE-5D3C93025B0D}" dt="2024-03-27T21:06:26.090" v="0" actId="14826"/>
-          <ac:picMkLst>
-            <pc:docMk/>
-            <pc:sldMk cId="3511183673" sldId="261"/>
-            <ac:picMk id="1025" creationId="{8287B1E4-36CE-5920-AB4B-AEF3ED7449EF}"/>
-          </ac:picMkLst>
-        </pc:picChg>
-        <pc:picChg chg="mod">
-          <ac:chgData name="Ke Yu" userId="a844e5b4-5ccb-4234-998f-a7928449601c" providerId="ADAL" clId="{F118E67C-00EB-46CA-AEDE-5D3C93025B0D}" dt="2024-03-27T21:06:35.123" v="1" actId="14826"/>
-          <ac:picMkLst>
-            <pc:docMk/>
-            <pc:sldMk cId="3511183673" sldId="261"/>
-            <ac:picMk id="1026" creationId="{21835A49-0292-67E7-BF3B-4BD04A314B14}"/>
           </ac:picMkLst>
         </pc:picChg>
       </pc:sldChg>
@@ -1086,7 +1087,7 @@
           <a:p>
             <a:fld id="{EB033B41-5916-4B0F-ABD7-E44CB5BFDEA7}" type="datetimeFigureOut">
               <a:rPr lang="en-US" smtClean="0"/>
-              <a:t>4/2/2024</a:t>
+              <a:t>8/30/2024</a:t>
             </a:fld>
             <a:endParaRPr lang="en-US"/>
           </a:p>
@@ -1500,7 +1501,7 @@
           <a:p>
             <a:fld id="{4FC11E3B-EF57-4989-9A3F-CE8491983F07}" type="datetimeFigureOut">
               <a:rPr lang="en-US" smtClean="0"/>
-              <a:t>4/2/2024</a:t>
+              <a:t>8/30/2024</a:t>
             </a:fld>
             <a:endParaRPr lang="en-US"/>
           </a:p>
@@ -1698,7 +1699,7 @@
           <a:p>
             <a:fld id="{4FC11E3B-EF57-4989-9A3F-CE8491983F07}" type="datetimeFigureOut">
               <a:rPr lang="en-US" smtClean="0"/>
-              <a:t>4/2/2024</a:t>
+              <a:t>8/30/2024</a:t>
             </a:fld>
             <a:endParaRPr lang="en-US"/>
           </a:p>
@@ -1906,7 +1907,7 @@
           <a:p>
             <a:fld id="{4FC11E3B-EF57-4989-9A3F-CE8491983F07}" type="datetimeFigureOut">
               <a:rPr lang="en-US" smtClean="0"/>
-              <a:t>4/2/2024</a:t>
+              <a:t>8/30/2024</a:t>
             </a:fld>
             <a:endParaRPr lang="en-US"/>
           </a:p>
@@ -2104,7 +2105,7 @@
           <a:p>
             <a:fld id="{4FC11E3B-EF57-4989-9A3F-CE8491983F07}" type="datetimeFigureOut">
               <a:rPr lang="en-US" smtClean="0"/>
-              <a:t>4/2/2024</a:t>
+              <a:t>8/30/2024</a:t>
             </a:fld>
             <a:endParaRPr lang="en-US"/>
           </a:p>
@@ -2379,7 +2380,7 @@
           <a:p>
             <a:fld id="{4FC11E3B-EF57-4989-9A3F-CE8491983F07}" type="datetimeFigureOut">
               <a:rPr lang="en-US" smtClean="0"/>
-              <a:t>4/2/2024</a:t>
+              <a:t>8/30/2024</a:t>
             </a:fld>
             <a:endParaRPr lang="en-US"/>
           </a:p>
@@ -2644,7 +2645,7 @@
           <a:p>
             <a:fld id="{4FC11E3B-EF57-4989-9A3F-CE8491983F07}" type="datetimeFigureOut">
               <a:rPr lang="en-US" smtClean="0"/>
-              <a:t>4/2/2024</a:t>
+              <a:t>8/30/2024</a:t>
             </a:fld>
             <a:endParaRPr lang="en-US"/>
           </a:p>
@@ -3056,7 +3057,7 @@
           <a:p>
             <a:fld id="{4FC11E3B-EF57-4989-9A3F-CE8491983F07}" type="datetimeFigureOut">
               <a:rPr lang="en-US" smtClean="0"/>
-              <a:t>4/2/2024</a:t>
+              <a:t>8/30/2024</a:t>
             </a:fld>
             <a:endParaRPr lang="en-US"/>
           </a:p>
@@ -3197,7 +3198,7 @@
           <a:p>
             <a:fld id="{4FC11E3B-EF57-4989-9A3F-CE8491983F07}" type="datetimeFigureOut">
               <a:rPr lang="en-US" smtClean="0"/>
-              <a:t>4/2/2024</a:t>
+              <a:t>8/30/2024</a:t>
             </a:fld>
             <a:endParaRPr lang="en-US"/>
           </a:p>
@@ -3310,7 +3311,7 @@
           <a:p>
             <a:fld id="{4FC11E3B-EF57-4989-9A3F-CE8491983F07}" type="datetimeFigureOut">
               <a:rPr lang="en-US" smtClean="0"/>
-              <a:t>4/2/2024</a:t>
+              <a:t>8/30/2024</a:t>
             </a:fld>
             <a:endParaRPr lang="en-US"/>
           </a:p>
@@ -3621,7 +3622,7 @@
           <a:p>
             <a:fld id="{4FC11E3B-EF57-4989-9A3F-CE8491983F07}" type="datetimeFigureOut">
               <a:rPr lang="en-US" smtClean="0"/>
-              <a:t>4/2/2024</a:t>
+              <a:t>8/30/2024</a:t>
             </a:fld>
             <a:endParaRPr lang="en-US"/>
           </a:p>
@@ -3909,7 +3910,7 @@
           <a:p>
             <a:fld id="{4FC11E3B-EF57-4989-9A3F-CE8491983F07}" type="datetimeFigureOut">
               <a:rPr lang="en-US" smtClean="0"/>
-              <a:t>4/2/2024</a:t>
+              <a:t>8/30/2024</a:t>
             </a:fld>
             <a:endParaRPr lang="en-US"/>
           </a:p>
@@ -4150,7 +4151,7 @@
           <a:p>
             <a:fld id="{4FC11E3B-EF57-4989-9A3F-CE8491983F07}" type="datetimeFigureOut">
               <a:rPr lang="en-US" smtClean="0"/>
-              <a:t>4/2/2024</a:t>
+              <a:t>8/30/2024</a:t>
             </a:fld>
             <a:endParaRPr lang="en-US"/>
           </a:p>
@@ -4627,7 +4628,7 @@
           <a:p>
             <a:r>
               <a:rPr lang="en-US" sz="2400" b="1" dirty="0"/>
-              <a:t>Unconfined Compression</a:t>
+              <a:t>Unconfined Compression - Free</a:t>
             </a:r>
           </a:p>
           <a:p>
@@ -4883,7 +4884,7 @@
         <p:spPr>
           <a:xfrm>
             <a:off x="4375306" y="879229"/>
-            <a:ext cx="4094148" cy="5909310"/>
+            <a:ext cx="4094148" cy="4524315"/>
           </a:xfrm>
           <a:prstGeom prst="rect">
             <a:avLst/>
@@ -4904,7 +4905,7 @@
           <a:p>
             <a:r>
               <a:rPr lang="en-US" dirty="0"/>
-              <a:t>(Central nodes at top)</a:t>
+              <a:t>(Central node at top)</a:t>
             </a:r>
           </a:p>
           <a:p>
@@ -4967,7 +4968,7 @@
           <a:p>
             <a:r>
               <a:rPr lang="en-US" dirty="0"/>
-              <a:t>(Central nodes at bottom)</a:t>
+              <a:t>(Central node at bottom)</a:t>
             </a:r>
           </a:p>
           <a:p>
@@ -5024,12 +5025,6 @@
           <a:p>
             <a:r>
               <a:rPr lang="en-US" dirty="0"/>
-              <a:t>Free case</a:t>
-            </a:r>
-          </a:p>
-          <a:p>
-            <a:r>
-              <a:rPr lang="en-US" dirty="0"/>
               <a:t>Tie:</a:t>
             </a:r>
           </a:p>
@@ -5075,74 +5070,7 @@
             <a:endParaRPr lang="en-US" dirty="0"/>
           </a:p>
           <a:p>
-            <a:r>
-              <a:rPr lang="en-US" dirty="0"/>
-              <a:t>Fixed case</a:t>
-            </a:r>
-          </a:p>
-          <a:p>
-            <a:r>
-              <a:rPr lang="en-US" dirty="0"/>
-              <a:t>Tie:</a:t>
-            </a:r>
-          </a:p>
-          <a:p>
-            <a:r>
-              <a:rPr lang="en-US" dirty="0"/>
-              <a:t>RP1 -&gt; nodes on the top (z=200)</a:t>
-            </a:r>
-          </a:p>
-          <a:p>
-            <a:r>
-              <a:rPr lang="en-US" dirty="0"/>
-              <a:t>RP2 -&gt; nodes on the bottom (z=0)</a:t>
-            </a:r>
-          </a:p>
-          <a:p>
-            <a:r>
-              <a:rPr lang="en-US" dirty="0"/>
-              <a:t>dx, </a:t>
-            </a:r>
-            <a:r>
-              <a:rPr lang="en-US" dirty="0" err="1"/>
-              <a:t>dy</a:t>
-            </a:r>
-            <a:r>
-              <a:rPr lang="en-US" dirty="0"/>
-              <a:t>, </a:t>
-            </a:r>
-            <a:r>
-              <a:rPr lang="en-US" dirty="0" err="1"/>
-              <a:t>dz</a:t>
-            </a:r>
-            <a:r>
-              <a:rPr lang="en-US" dirty="0"/>
-              <a:t>, </a:t>
-            </a:r>
-            <a:r>
-              <a:rPr lang="en-US" dirty="0" err="1"/>
-              <a:t>rx</a:t>
-            </a:r>
-            <a:r>
-              <a:rPr lang="en-US" dirty="0"/>
-              <a:t>, </a:t>
-            </a:r>
-            <a:r>
-              <a:rPr lang="en-US" dirty="0" err="1"/>
-              <a:t>ry</a:t>
-            </a:r>
-            <a:r>
-              <a:rPr lang="en-US" dirty="0"/>
-              <a:t>, </a:t>
-            </a:r>
-            <a:r>
-              <a:rPr lang="en-US" dirty="0" err="1"/>
-              <a:t>rz</a:t>
-            </a:r>
-            <a:r>
-              <a:rPr lang="en-US" dirty="0"/>
-              <a:t> are the same</a:t>
-            </a:r>
+            <a:endParaRPr lang="en-US" dirty="0"/>
           </a:p>
         </p:txBody>
       </p:sp>
@@ -5534,6 +5462,154 @@
           </p:txBody>
         </p:sp>
       </p:grpSp>
+      <p:sp>
+        <p:nvSpPr>
+          <p:cNvPr id="3" name="TextBox 2">
+            <a:extLst>
+              <a:ext uri="{FF2B5EF4-FFF2-40B4-BE49-F238E27FC236}">
+                <a16:creationId xmlns:a16="http://schemas.microsoft.com/office/drawing/2014/main" id="{88257E19-D5FD-6220-12A3-F8CAF3A19735}"/>
+              </a:ext>
+            </a:extLst>
+          </p:cNvPr>
+          <p:cNvSpPr txBox="1"/>
+          <p:nvPr/>
+        </p:nvSpPr>
+        <p:spPr>
+          <a:xfrm>
+            <a:off x="128805" y="1204971"/>
+            <a:ext cx="2586926" cy="1754326"/>
+          </a:xfrm>
+          <a:prstGeom prst="rect">
+            <a:avLst/>
+          </a:prstGeom>
+          <a:noFill/>
+        </p:spPr>
+        <p:txBody>
+          <a:bodyPr wrap="square" rtlCol="0">
+            <a:spAutoFit/>
+          </a:bodyPr>
+          <a:lstStyle/>
+          <a:p>
+            <a:r>
+              <a:rPr lang="en-US" dirty="0"/>
+              <a:t>Nodes on top: </a:t>
+            </a:r>
+          </a:p>
+          <a:p>
+            <a:r>
+              <a:rPr lang="en-US" dirty="0"/>
+              <a:t>(except RP1)</a:t>
+            </a:r>
+          </a:p>
+          <a:p>
+            <a:r>
+              <a:rPr lang="en-US" dirty="0" err="1"/>
+              <a:t>dz</a:t>
+            </a:r>
+            <a:r>
+              <a:rPr lang="en-US" dirty="0"/>
+              <a:t> = u</a:t>
+            </a:r>
+          </a:p>
+          <a:p>
+            <a:r>
+              <a:rPr lang="en-US" dirty="0" err="1"/>
+              <a:t>rx</a:t>
+            </a:r>
+            <a:r>
+              <a:rPr lang="en-US" dirty="0"/>
+              <a:t> = 0</a:t>
+            </a:r>
+          </a:p>
+          <a:p>
+            <a:r>
+              <a:rPr lang="en-US" dirty="0" err="1"/>
+              <a:t>ry</a:t>
+            </a:r>
+            <a:r>
+              <a:rPr lang="en-US" dirty="0"/>
+              <a:t> =0</a:t>
+            </a:r>
+          </a:p>
+          <a:p>
+            <a:endParaRPr lang="en-US" dirty="0"/>
+          </a:p>
+        </p:txBody>
+      </p:sp>
+      <p:sp>
+        <p:nvSpPr>
+          <p:cNvPr id="6" name="TextBox 5">
+            <a:extLst>
+              <a:ext uri="{FF2B5EF4-FFF2-40B4-BE49-F238E27FC236}">
+                <a16:creationId xmlns:a16="http://schemas.microsoft.com/office/drawing/2014/main" id="{40B254BC-517A-EC01-152A-FB39BEFBA8AB}"/>
+              </a:ext>
+            </a:extLst>
+          </p:cNvPr>
+          <p:cNvSpPr txBox="1"/>
+          <p:nvPr/>
+        </p:nvSpPr>
+        <p:spPr>
+          <a:xfrm>
+            <a:off x="4183329" y="5185092"/>
+            <a:ext cx="2586926" cy="1754326"/>
+          </a:xfrm>
+          <a:prstGeom prst="rect">
+            <a:avLst/>
+          </a:prstGeom>
+          <a:noFill/>
+        </p:spPr>
+        <p:txBody>
+          <a:bodyPr wrap="square" rtlCol="0">
+            <a:spAutoFit/>
+          </a:bodyPr>
+          <a:lstStyle/>
+          <a:p>
+            <a:r>
+              <a:rPr lang="en-US" dirty="0"/>
+              <a:t>Nodes on bottom: </a:t>
+            </a:r>
+          </a:p>
+          <a:p>
+            <a:r>
+              <a:rPr lang="en-US" dirty="0"/>
+              <a:t>(except RP2)</a:t>
+            </a:r>
+          </a:p>
+          <a:p>
+            <a:r>
+              <a:rPr lang="en-US" dirty="0" err="1"/>
+              <a:t>dz</a:t>
+            </a:r>
+            <a:r>
+              <a:rPr lang="en-US" dirty="0"/>
+              <a:t> = 0</a:t>
+            </a:r>
+          </a:p>
+          <a:p>
+            <a:r>
+              <a:rPr lang="en-US" dirty="0" err="1"/>
+              <a:t>rx</a:t>
+            </a:r>
+            <a:r>
+              <a:rPr lang="en-US" dirty="0"/>
+              <a:t> = 0</a:t>
+            </a:r>
+          </a:p>
+          <a:p>
+            <a:r>
+              <a:rPr lang="en-US" dirty="0" err="1"/>
+              <a:t>ry</a:t>
+            </a:r>
+            <a:r>
+              <a:rPr lang="en-US" dirty="0"/>
+              <a:t> =0</a:t>
+            </a:r>
+          </a:p>
+          <a:p>
+            <a:endParaRPr lang="en-US" dirty="0"/>
+          </a:p>
+        </p:txBody>
+      </p:sp>
     </p:spTree>
     <p:extLst>
       <p:ext uri="{BB962C8B-B14F-4D97-AF65-F5344CB8AC3E}">
@@ -5569,6 +5645,1142 @@
           <p:cNvPr id="2" name="Picture 1">
             <a:extLst>
               <a:ext uri="{FF2B5EF4-FFF2-40B4-BE49-F238E27FC236}">
+                <a16:creationId xmlns:a16="http://schemas.microsoft.com/office/drawing/2014/main" id="{E2A2D2EB-B4B4-10DB-E405-265438F40888}"/>
+              </a:ext>
+            </a:extLst>
+          </p:cNvPr>
+          <p:cNvPicPr>
+            <a:picLocks noChangeAspect="1"/>
+          </p:cNvPicPr>
+          <p:nvPr/>
+        </p:nvPicPr>
+        <p:blipFill>
+          <a:blip r:embed="rId2"/>
+          <a:stretch>
+            <a:fillRect/>
+          </a:stretch>
+        </p:blipFill>
+        <p:spPr>
+          <a:xfrm>
+            <a:off x="7250341" y="980709"/>
+            <a:ext cx="4078577" cy="2853175"/>
+          </a:xfrm>
+          <a:prstGeom prst="rect">
+            <a:avLst/>
+          </a:prstGeom>
+        </p:spPr>
+      </p:pic>
+      <p:sp>
+        <p:nvSpPr>
+          <p:cNvPr id="5" name="TextBox 4">
+            <a:extLst>
+              <a:ext uri="{FF2B5EF4-FFF2-40B4-BE49-F238E27FC236}">
+                <a16:creationId xmlns:a16="http://schemas.microsoft.com/office/drawing/2014/main" id="{21C4A721-3DAD-6E9D-568B-15082F055CD3}"/>
+              </a:ext>
+            </a:extLst>
+          </p:cNvPr>
+          <p:cNvSpPr txBox="1"/>
+          <p:nvPr/>
+        </p:nvSpPr>
+        <p:spPr>
+          <a:xfrm>
+            <a:off x="551389" y="208365"/>
+            <a:ext cx="6096000" cy="1846659"/>
+          </a:xfrm>
+          <a:prstGeom prst="rect">
+            <a:avLst/>
+          </a:prstGeom>
+          <a:noFill/>
+        </p:spPr>
+        <p:txBody>
+          <a:bodyPr wrap="square">
+            <a:spAutoFit/>
+          </a:bodyPr>
+          <a:lstStyle/>
+          <a:p>
+            <a:r>
+              <a:rPr lang="en-US" sz="2400" b="1" dirty="0"/>
+              <a:t>Unconfined Compression</a:t>
+            </a:r>
+          </a:p>
+          <a:p>
+            <a:endParaRPr lang="en-US" dirty="0"/>
+          </a:p>
+          <a:p>
+            <a:r>
+              <a:rPr lang="en-US" dirty="0"/>
+              <a:t>Size in XYZ: 100mm x 100mm x 200mm</a:t>
+            </a:r>
+          </a:p>
+          <a:p>
+            <a:endParaRPr lang="en-US" dirty="0"/>
+          </a:p>
+          <a:p>
+            <a:endParaRPr lang="en-US" dirty="0"/>
+          </a:p>
+          <a:p>
+            <a:endParaRPr lang="en-US" dirty="0"/>
+          </a:p>
+        </p:txBody>
+      </p:sp>
+      <p:pic>
+        <p:nvPicPr>
+          <p:cNvPr id="4" name="Picture 3">
+            <a:extLst>
+              <a:ext uri="{FF2B5EF4-FFF2-40B4-BE49-F238E27FC236}">
+                <a16:creationId xmlns:a16="http://schemas.microsoft.com/office/drawing/2014/main" id="{00520B4B-8968-A8B0-FEC0-037C84578135}"/>
+              </a:ext>
+            </a:extLst>
+          </p:cNvPr>
+          <p:cNvPicPr>
+            <a:picLocks noChangeAspect="1"/>
+          </p:cNvPicPr>
+          <p:nvPr/>
+        </p:nvPicPr>
+        <p:blipFill rotWithShape="1">
+          <a:blip r:embed="rId3">
+            <a:extLst>
+              <a:ext uri="{BEBA8EAE-BF5A-486C-A8C5-ECC9F3942E4B}">
+                <a14:imgProps xmlns:a14="http://schemas.microsoft.com/office/drawing/2010/main">
+                  <a14:imgLayer r:embed="rId4">
+                    <a14:imgEffect>
+                      <a14:brightnessContrast bright="10000" contrast="-10000"/>
+                    </a14:imgEffect>
+                  </a14:imgLayer>
+                </a14:imgProps>
+              </a:ext>
+              <a:ext uri="{28A0092B-C50C-407E-A947-70E740481C1C}">
+                <a14:useLocalDpi xmlns:a14="http://schemas.microsoft.com/office/drawing/2010/main" val="0"/>
+              </a:ext>
+            </a:extLst>
+          </a:blip>
+          <a:srcRect l="41447" t="31593" r="42535" b="23447"/>
+          <a:stretch/>
+        </p:blipFill>
+        <p:spPr>
+          <a:xfrm>
+            <a:off x="1255465" y="1382875"/>
+            <a:ext cx="3094667" cy="5266759"/>
+          </a:xfrm>
+          <a:prstGeom prst="rect">
+            <a:avLst/>
+          </a:prstGeom>
+        </p:spPr>
+      </p:pic>
+      <p:sp>
+        <p:nvSpPr>
+          <p:cNvPr id="7" name="Oval 6">
+            <a:extLst>
+              <a:ext uri="{FF2B5EF4-FFF2-40B4-BE49-F238E27FC236}">
+                <a16:creationId xmlns:a16="http://schemas.microsoft.com/office/drawing/2014/main" id="{AEDF9CCA-7EF7-332B-D578-A7B5DAFD44B9}"/>
+              </a:ext>
+            </a:extLst>
+          </p:cNvPr>
+          <p:cNvSpPr/>
+          <p:nvPr/>
+        </p:nvSpPr>
+        <p:spPr>
+          <a:xfrm>
+            <a:off x="2597020" y="1617306"/>
+            <a:ext cx="204386" cy="223935"/>
+          </a:xfrm>
+          <a:prstGeom prst="ellipse">
+            <a:avLst/>
+          </a:prstGeom>
+          <a:solidFill>
+            <a:srgbClr val="FF0000"/>
+          </a:solidFill>
+          <a:ln>
+            <a:noFill/>
+          </a:ln>
+        </p:spPr>
+        <p:style>
+          <a:lnRef idx="2">
+            <a:schemeClr val="accent1">
+              <a:shade val="15000"/>
+            </a:schemeClr>
+          </a:lnRef>
+          <a:fillRef idx="1">
+            <a:schemeClr val="accent1"/>
+          </a:fillRef>
+          <a:effectRef idx="0">
+            <a:schemeClr val="accent1"/>
+          </a:effectRef>
+          <a:fontRef idx="minor">
+            <a:schemeClr val="lt1"/>
+          </a:fontRef>
+        </p:style>
+        <p:txBody>
+          <a:bodyPr rtlCol="0" anchor="ctr"/>
+          <a:lstStyle/>
+          <a:p>
+            <a:pPr algn="ctr"/>
+            <a:endParaRPr lang="en-US" dirty="0"/>
+          </a:p>
+        </p:txBody>
+      </p:sp>
+      <p:sp>
+        <p:nvSpPr>
+          <p:cNvPr id="8" name="Oval 7">
+            <a:extLst>
+              <a:ext uri="{FF2B5EF4-FFF2-40B4-BE49-F238E27FC236}">
+                <a16:creationId xmlns:a16="http://schemas.microsoft.com/office/drawing/2014/main" id="{2A096D52-15D5-F97C-259F-3407C096B589}"/>
+              </a:ext>
+            </a:extLst>
+          </p:cNvPr>
+          <p:cNvSpPr/>
+          <p:nvPr/>
+        </p:nvSpPr>
+        <p:spPr>
+          <a:xfrm>
+            <a:off x="2472167" y="5942474"/>
+            <a:ext cx="204386" cy="223935"/>
+          </a:xfrm>
+          <a:prstGeom prst="ellipse">
+            <a:avLst/>
+          </a:prstGeom>
+          <a:solidFill>
+            <a:srgbClr val="FF0000"/>
+          </a:solidFill>
+          <a:ln>
+            <a:noFill/>
+          </a:ln>
+        </p:spPr>
+        <p:style>
+          <a:lnRef idx="2">
+            <a:schemeClr val="accent1">
+              <a:shade val="15000"/>
+            </a:schemeClr>
+          </a:lnRef>
+          <a:fillRef idx="1">
+            <a:schemeClr val="accent1"/>
+          </a:fillRef>
+          <a:effectRef idx="0">
+            <a:schemeClr val="accent1"/>
+          </a:effectRef>
+          <a:fontRef idx="minor">
+            <a:schemeClr val="lt1"/>
+          </a:fontRef>
+        </p:style>
+        <p:txBody>
+          <a:bodyPr rtlCol="0" anchor="ctr"/>
+          <a:lstStyle/>
+          <a:p>
+            <a:pPr algn="ctr"/>
+            <a:endParaRPr lang="en-US" dirty="0"/>
+          </a:p>
+        </p:txBody>
+      </p:sp>
+      <p:sp>
+        <p:nvSpPr>
+          <p:cNvPr id="9" name="TextBox 8">
+            <a:extLst>
+              <a:ext uri="{FF2B5EF4-FFF2-40B4-BE49-F238E27FC236}">
+                <a16:creationId xmlns:a16="http://schemas.microsoft.com/office/drawing/2014/main" id="{6D69ECCC-FA4C-BB40-C263-DF98F362EB7F}"/>
+              </a:ext>
+            </a:extLst>
+          </p:cNvPr>
+          <p:cNvSpPr txBox="1"/>
+          <p:nvPr/>
+        </p:nvSpPr>
+        <p:spPr>
+          <a:xfrm>
+            <a:off x="2321990" y="6419207"/>
+            <a:ext cx="709126" cy="369332"/>
+          </a:xfrm>
+          <a:prstGeom prst="rect">
+            <a:avLst/>
+          </a:prstGeom>
+          <a:noFill/>
+        </p:spPr>
+        <p:txBody>
+          <a:bodyPr wrap="square" rtlCol="0">
+            <a:spAutoFit/>
+          </a:bodyPr>
+          <a:lstStyle/>
+          <a:p>
+            <a:r>
+              <a:rPr lang="en-US" dirty="0"/>
+              <a:t>RP2</a:t>
+            </a:r>
+          </a:p>
+        </p:txBody>
+      </p:sp>
+      <p:sp>
+        <p:nvSpPr>
+          <p:cNvPr id="10" name="TextBox 9">
+            <a:extLst>
+              <a:ext uri="{FF2B5EF4-FFF2-40B4-BE49-F238E27FC236}">
+                <a16:creationId xmlns:a16="http://schemas.microsoft.com/office/drawing/2014/main" id="{EA3A2357-300A-C50B-6A42-31BA8F073E82}"/>
+              </a:ext>
+            </a:extLst>
+          </p:cNvPr>
+          <p:cNvSpPr txBox="1"/>
+          <p:nvPr/>
+        </p:nvSpPr>
+        <p:spPr>
+          <a:xfrm>
+            <a:off x="2676553" y="1382876"/>
+            <a:ext cx="709126" cy="369332"/>
+          </a:xfrm>
+          <a:prstGeom prst="rect">
+            <a:avLst/>
+          </a:prstGeom>
+          <a:noFill/>
+        </p:spPr>
+        <p:txBody>
+          <a:bodyPr wrap="square" rtlCol="0">
+            <a:spAutoFit/>
+          </a:bodyPr>
+          <a:lstStyle/>
+          <a:p>
+            <a:r>
+              <a:rPr lang="en-US" dirty="0"/>
+              <a:t>RP1</a:t>
+            </a:r>
+          </a:p>
+        </p:txBody>
+      </p:sp>
+      <p:sp>
+        <p:nvSpPr>
+          <p:cNvPr id="11" name="TextBox 10">
+            <a:extLst>
+              <a:ext uri="{FF2B5EF4-FFF2-40B4-BE49-F238E27FC236}">
+                <a16:creationId xmlns:a16="http://schemas.microsoft.com/office/drawing/2014/main" id="{4466A95B-C010-2734-D4C9-E4640046D95C}"/>
+              </a:ext>
+            </a:extLst>
+          </p:cNvPr>
+          <p:cNvSpPr txBox="1"/>
+          <p:nvPr/>
+        </p:nvSpPr>
+        <p:spPr>
+          <a:xfrm>
+            <a:off x="4375306" y="879229"/>
+            <a:ext cx="4094148" cy="4247317"/>
+          </a:xfrm>
+          <a:prstGeom prst="rect">
+            <a:avLst/>
+          </a:prstGeom>
+          <a:noFill/>
+        </p:spPr>
+        <p:txBody>
+          <a:bodyPr wrap="square" rtlCol="0">
+            <a:spAutoFit/>
+          </a:bodyPr>
+          <a:lstStyle/>
+          <a:p>
+            <a:r>
+              <a:rPr lang="en-US" dirty="0"/>
+              <a:t>RP1 (50, 50, 200):</a:t>
+            </a:r>
+          </a:p>
+          <a:p>
+            <a:r>
+              <a:rPr lang="en-US" dirty="0"/>
+              <a:t>(Central node at top)</a:t>
+            </a:r>
+          </a:p>
+          <a:p>
+            <a:r>
+              <a:rPr lang="en-US" dirty="0"/>
+              <a:t>dx = 0; </a:t>
+            </a:r>
+            <a:r>
+              <a:rPr lang="en-US" dirty="0" err="1"/>
+              <a:t>dy</a:t>
+            </a:r>
+            <a:r>
+              <a:rPr lang="en-US" dirty="0"/>
+              <a:t> = 0; </a:t>
+            </a:r>
+            <a:r>
+              <a:rPr lang="en-US" dirty="0" err="1"/>
+              <a:t>dz</a:t>
+            </a:r>
+            <a:r>
+              <a:rPr lang="en-US" dirty="0"/>
+              <a:t> = u;</a:t>
+            </a:r>
+          </a:p>
+          <a:p>
+            <a:r>
+              <a:rPr lang="en-US" dirty="0" err="1"/>
+              <a:t>rx</a:t>
+            </a:r>
+            <a:r>
+              <a:rPr lang="en-US" dirty="0"/>
+              <a:t> = 0; </a:t>
+            </a:r>
+            <a:r>
+              <a:rPr lang="en-US" dirty="0" err="1"/>
+              <a:t>ry</a:t>
+            </a:r>
+            <a:r>
+              <a:rPr lang="en-US" dirty="0"/>
+              <a:t> = 0; </a:t>
+            </a:r>
+            <a:r>
+              <a:rPr lang="en-US" dirty="0" err="1"/>
+              <a:t>rz</a:t>
+            </a:r>
+            <a:r>
+              <a:rPr lang="en-US" dirty="0"/>
+              <a:t> = 0</a:t>
+            </a:r>
+          </a:p>
+          <a:p>
+            <a:endParaRPr lang="en-US" dirty="0"/>
+          </a:p>
+          <a:p>
+            <a:r>
+              <a:rPr lang="en-US" dirty="0"/>
+              <a:t>RP2 (50, 50, 0):</a:t>
+            </a:r>
+          </a:p>
+          <a:p>
+            <a:r>
+              <a:rPr lang="en-US" dirty="0"/>
+              <a:t>(Central node at bottom)</a:t>
+            </a:r>
+          </a:p>
+          <a:p>
+            <a:r>
+              <a:rPr lang="en-US" dirty="0"/>
+              <a:t>dx = 0; </a:t>
+            </a:r>
+            <a:r>
+              <a:rPr lang="en-US" dirty="0" err="1"/>
+              <a:t>dy</a:t>
+            </a:r>
+            <a:r>
+              <a:rPr lang="en-US" dirty="0"/>
+              <a:t> = 0; </a:t>
+            </a:r>
+            <a:r>
+              <a:rPr lang="en-US" dirty="0" err="1"/>
+              <a:t>dz</a:t>
+            </a:r>
+            <a:r>
+              <a:rPr lang="en-US" dirty="0"/>
+              <a:t> = 0;</a:t>
+            </a:r>
+          </a:p>
+          <a:p>
+            <a:r>
+              <a:rPr lang="en-US" dirty="0" err="1"/>
+              <a:t>rx</a:t>
+            </a:r>
+            <a:r>
+              <a:rPr lang="en-US" dirty="0"/>
+              <a:t> = 0; </a:t>
+            </a:r>
+            <a:r>
+              <a:rPr lang="en-US" dirty="0" err="1"/>
+              <a:t>ry</a:t>
+            </a:r>
+            <a:r>
+              <a:rPr lang="en-US" dirty="0"/>
+              <a:t> = 0; </a:t>
+            </a:r>
+            <a:r>
+              <a:rPr lang="en-US" dirty="0" err="1"/>
+              <a:t>rz</a:t>
+            </a:r>
+            <a:r>
+              <a:rPr lang="en-US" dirty="0"/>
+              <a:t> = 0</a:t>
+            </a:r>
+          </a:p>
+          <a:p>
+            <a:endParaRPr lang="en-US" dirty="0"/>
+          </a:p>
+          <a:p>
+            <a:r>
+              <a:rPr lang="en-US" dirty="0"/>
+              <a:t>Fixed case</a:t>
+            </a:r>
+          </a:p>
+          <a:p>
+            <a:r>
+              <a:rPr lang="en-US" dirty="0"/>
+              <a:t>Tie:</a:t>
+            </a:r>
+          </a:p>
+          <a:p>
+            <a:r>
+              <a:rPr lang="en-US" dirty="0"/>
+              <a:t>RP1 -&gt; nodes on the top (z=200)</a:t>
+            </a:r>
+          </a:p>
+          <a:p>
+            <a:r>
+              <a:rPr lang="en-US" dirty="0"/>
+              <a:t>RP2 -&gt; nodes on the bottom (z=0)</a:t>
+            </a:r>
+          </a:p>
+          <a:p>
+            <a:r>
+              <a:rPr lang="en-US" dirty="0"/>
+              <a:t>dx, </a:t>
+            </a:r>
+            <a:r>
+              <a:rPr lang="en-US" dirty="0" err="1"/>
+              <a:t>dy</a:t>
+            </a:r>
+            <a:r>
+              <a:rPr lang="en-US" dirty="0"/>
+              <a:t>, </a:t>
+            </a:r>
+            <a:r>
+              <a:rPr lang="en-US" dirty="0" err="1"/>
+              <a:t>dz</a:t>
+            </a:r>
+            <a:r>
+              <a:rPr lang="en-US" dirty="0"/>
+              <a:t>, </a:t>
+            </a:r>
+            <a:r>
+              <a:rPr lang="en-US" dirty="0" err="1"/>
+              <a:t>rx</a:t>
+            </a:r>
+            <a:r>
+              <a:rPr lang="en-US" dirty="0"/>
+              <a:t>, </a:t>
+            </a:r>
+            <a:r>
+              <a:rPr lang="en-US" dirty="0" err="1"/>
+              <a:t>ry</a:t>
+            </a:r>
+            <a:r>
+              <a:rPr lang="en-US" dirty="0"/>
+              <a:t>, </a:t>
+            </a:r>
+            <a:r>
+              <a:rPr lang="en-US" dirty="0" err="1"/>
+              <a:t>rz</a:t>
+            </a:r>
+            <a:r>
+              <a:rPr lang="en-US" dirty="0"/>
+              <a:t> are the same</a:t>
+            </a:r>
+          </a:p>
+        </p:txBody>
+      </p:sp>
+      <p:cxnSp>
+        <p:nvCxnSpPr>
+          <p:cNvPr id="13" name="Straight Connector 12">
+            <a:extLst>
+              <a:ext uri="{FF2B5EF4-FFF2-40B4-BE49-F238E27FC236}">
+                <a16:creationId xmlns:a16="http://schemas.microsoft.com/office/drawing/2014/main" id="{F7E1E06D-2499-2CDB-21FC-8AA5CFB718A4}"/>
+              </a:ext>
+            </a:extLst>
+          </p:cNvPr>
+          <p:cNvCxnSpPr>
+            <a:cxnSpLocks/>
+          </p:cNvCxnSpPr>
+          <p:nvPr/>
+        </p:nvCxnSpPr>
+        <p:spPr>
+          <a:xfrm>
+            <a:off x="7990866" y="1677584"/>
+            <a:ext cx="0" cy="1509143"/>
+          </a:xfrm>
+          <a:prstGeom prst="line">
+            <a:avLst/>
+          </a:prstGeom>
+          <a:ln w="12700">
+            <a:prstDash val="dash"/>
+          </a:ln>
+        </p:spPr>
+        <p:style>
+          <a:lnRef idx="1">
+            <a:schemeClr val="accent2"/>
+          </a:lnRef>
+          <a:fillRef idx="0">
+            <a:schemeClr val="accent2"/>
+          </a:fillRef>
+          <a:effectRef idx="0">
+            <a:schemeClr val="accent2"/>
+          </a:effectRef>
+          <a:fontRef idx="minor">
+            <a:schemeClr val="tx1"/>
+          </a:fontRef>
+        </p:style>
+      </p:cxnSp>
+      <p:sp>
+        <p:nvSpPr>
+          <p:cNvPr id="14" name="TextBox 13">
+            <a:extLst>
+              <a:ext uri="{FF2B5EF4-FFF2-40B4-BE49-F238E27FC236}">
+                <a16:creationId xmlns:a16="http://schemas.microsoft.com/office/drawing/2014/main" id="{C01304B9-5100-D692-06DE-10FE40CAF6F5}"/>
+              </a:ext>
+            </a:extLst>
+          </p:cNvPr>
+          <p:cNvSpPr txBox="1"/>
+          <p:nvPr/>
+        </p:nvSpPr>
+        <p:spPr>
+          <a:xfrm>
+            <a:off x="7925354" y="3186727"/>
+            <a:ext cx="544100" cy="261610"/>
+          </a:xfrm>
+          <a:prstGeom prst="rect">
+            <a:avLst/>
+          </a:prstGeom>
+          <a:noFill/>
+        </p:spPr>
+        <p:txBody>
+          <a:bodyPr wrap="square">
+            <a:spAutoFit/>
+          </a:bodyPr>
+          <a:lstStyle/>
+          <a:p>
+            <a:r>
+              <a:rPr lang="en-US" sz="1100" dirty="0">
+                <a:latin typeface="Times New Roman" panose="02020603050405020304" pitchFamily="18" charset="0"/>
+                <a:cs typeface="Times New Roman" panose="02020603050405020304" pitchFamily="18" charset="0"/>
+              </a:rPr>
+              <a:t>0.001</a:t>
+            </a:r>
+          </a:p>
+        </p:txBody>
+      </p:sp>
+      <p:pic>
+        <p:nvPicPr>
+          <p:cNvPr id="20" name="Picture 19">
+            <a:extLst>
+              <a:ext uri="{FF2B5EF4-FFF2-40B4-BE49-F238E27FC236}">
+                <a16:creationId xmlns:a16="http://schemas.microsoft.com/office/drawing/2014/main" id="{EDA731F7-45FB-B655-A680-282BF382FC85}"/>
+              </a:ext>
+            </a:extLst>
+          </p:cNvPr>
+          <p:cNvPicPr>
+            <a:picLocks noChangeAspect="1"/>
+          </p:cNvPicPr>
+          <p:nvPr/>
+        </p:nvPicPr>
+        <p:blipFill>
+          <a:blip r:embed="rId5"/>
+          <a:stretch>
+            <a:fillRect/>
+          </a:stretch>
+        </p:blipFill>
+        <p:spPr>
+          <a:xfrm>
+            <a:off x="7167333" y="831719"/>
+            <a:ext cx="4583496" cy="3151153"/>
+          </a:xfrm>
+          <a:prstGeom prst="rect">
+            <a:avLst/>
+          </a:prstGeom>
+        </p:spPr>
+      </p:pic>
+      <p:grpSp>
+        <p:nvGrpSpPr>
+          <p:cNvPr id="21" name="Group 20">
+            <a:extLst>
+              <a:ext uri="{FF2B5EF4-FFF2-40B4-BE49-F238E27FC236}">
+                <a16:creationId xmlns:a16="http://schemas.microsoft.com/office/drawing/2014/main" id="{0D916AA9-1B66-082F-7A6E-D9C8D7EABF3B}"/>
+              </a:ext>
+            </a:extLst>
+          </p:cNvPr>
+          <p:cNvGrpSpPr/>
+          <p:nvPr/>
+        </p:nvGrpSpPr>
+        <p:grpSpPr>
+          <a:xfrm>
+            <a:off x="569661" y="5785256"/>
+            <a:ext cx="646837" cy="538370"/>
+            <a:chOff x="972904" y="4854117"/>
+            <a:chExt cx="646837" cy="538370"/>
+          </a:xfrm>
+        </p:grpSpPr>
+        <p:grpSp>
+          <p:nvGrpSpPr>
+            <p:cNvPr id="22" name="Group 21">
+              <a:extLst>
+                <a:ext uri="{FF2B5EF4-FFF2-40B4-BE49-F238E27FC236}">
+                  <a16:creationId xmlns:a16="http://schemas.microsoft.com/office/drawing/2014/main" id="{86B16128-55F9-3881-D1CA-C4363D6D0D00}"/>
+                </a:ext>
+              </a:extLst>
+            </p:cNvPr>
+            <p:cNvGrpSpPr/>
+            <p:nvPr/>
+          </p:nvGrpSpPr>
+          <p:grpSpPr>
+            <a:xfrm>
+              <a:off x="1128929" y="5023159"/>
+              <a:ext cx="489035" cy="369328"/>
+              <a:chOff x="951371" y="4989160"/>
+              <a:chExt cx="661182" cy="499336"/>
+            </a:xfrm>
+          </p:grpSpPr>
+          <p:cxnSp>
+            <p:nvCxnSpPr>
+              <p:cNvPr id="26" name="Straight Arrow Connector 25">
+                <a:extLst>
+                  <a:ext uri="{FF2B5EF4-FFF2-40B4-BE49-F238E27FC236}">
+                    <a16:creationId xmlns:a16="http://schemas.microsoft.com/office/drawing/2014/main" id="{A3BC88AF-A2BA-3B25-0C9D-DD95D80A0712}"/>
+                  </a:ext>
+                </a:extLst>
+              </p:cNvPr>
+              <p:cNvCxnSpPr>
+                <a:cxnSpLocks/>
+              </p:cNvCxnSpPr>
+              <p:nvPr/>
+            </p:nvCxnSpPr>
+            <p:spPr>
+              <a:xfrm flipV="1">
+                <a:off x="1165412" y="5443981"/>
+                <a:ext cx="447141" cy="30493"/>
+              </a:xfrm>
+              <a:prstGeom prst="straightConnector1">
+                <a:avLst/>
+              </a:prstGeom>
+              <a:ln w="25400">
+                <a:tailEnd type="triangle"/>
+              </a:ln>
+            </p:spPr>
+            <p:style>
+              <a:lnRef idx="1">
+                <a:schemeClr val="dk1"/>
+              </a:lnRef>
+              <a:fillRef idx="0">
+                <a:schemeClr val="dk1"/>
+              </a:fillRef>
+              <a:effectRef idx="0">
+                <a:schemeClr val="dk1"/>
+              </a:effectRef>
+              <a:fontRef idx="minor">
+                <a:schemeClr val="tx1"/>
+              </a:fontRef>
+            </p:style>
+          </p:cxnSp>
+          <p:cxnSp>
+            <p:nvCxnSpPr>
+              <p:cNvPr id="27" name="Straight Arrow Connector 26">
+                <a:extLst>
+                  <a:ext uri="{FF2B5EF4-FFF2-40B4-BE49-F238E27FC236}">
+                    <a16:creationId xmlns:a16="http://schemas.microsoft.com/office/drawing/2014/main" id="{06A28DDC-F462-59FF-FA3C-1342F651D0EF}"/>
+                  </a:ext>
+                </a:extLst>
+              </p:cNvPr>
+              <p:cNvCxnSpPr>
+                <a:cxnSpLocks/>
+              </p:cNvCxnSpPr>
+              <p:nvPr/>
+            </p:nvCxnSpPr>
+            <p:spPr>
+              <a:xfrm flipV="1">
+                <a:off x="1165412" y="4989160"/>
+                <a:ext cx="0" cy="499336"/>
+              </a:xfrm>
+              <a:prstGeom prst="straightConnector1">
+                <a:avLst/>
+              </a:prstGeom>
+              <a:ln w="25400">
+                <a:tailEnd type="triangle"/>
+              </a:ln>
+            </p:spPr>
+            <p:style>
+              <a:lnRef idx="1">
+                <a:schemeClr val="dk1"/>
+              </a:lnRef>
+              <a:fillRef idx="0">
+                <a:schemeClr val="dk1"/>
+              </a:fillRef>
+              <a:effectRef idx="0">
+                <a:schemeClr val="dk1"/>
+              </a:effectRef>
+              <a:fontRef idx="minor">
+                <a:schemeClr val="tx1"/>
+              </a:fontRef>
+            </p:style>
+          </p:cxnSp>
+          <p:cxnSp>
+            <p:nvCxnSpPr>
+              <p:cNvPr id="28" name="Straight Arrow Connector 27">
+                <a:extLst>
+                  <a:ext uri="{FF2B5EF4-FFF2-40B4-BE49-F238E27FC236}">
+                    <a16:creationId xmlns:a16="http://schemas.microsoft.com/office/drawing/2014/main" id="{7C1F6659-4D38-2257-4C01-C2D1FBC98F05}"/>
+                  </a:ext>
+                </a:extLst>
+              </p:cNvPr>
+              <p:cNvCxnSpPr>
+                <a:cxnSpLocks/>
+              </p:cNvCxnSpPr>
+              <p:nvPr/>
+            </p:nvCxnSpPr>
+            <p:spPr>
+              <a:xfrm flipH="1" flipV="1">
+                <a:off x="951371" y="5330217"/>
+                <a:ext cx="212003" cy="144258"/>
+              </a:xfrm>
+              <a:prstGeom prst="straightConnector1">
+                <a:avLst/>
+              </a:prstGeom>
+              <a:ln w="25400">
+                <a:tailEnd type="triangle"/>
+              </a:ln>
+            </p:spPr>
+            <p:style>
+              <a:lnRef idx="1">
+                <a:schemeClr val="dk1"/>
+              </a:lnRef>
+              <a:fillRef idx="0">
+                <a:schemeClr val="dk1"/>
+              </a:fillRef>
+              <a:effectRef idx="0">
+                <a:schemeClr val="dk1"/>
+              </a:effectRef>
+              <a:fontRef idx="minor">
+                <a:schemeClr val="tx1"/>
+              </a:fontRef>
+            </p:style>
+          </p:cxnSp>
+        </p:grpSp>
+        <p:sp>
+          <p:nvSpPr>
+            <p:cNvPr id="23" name="TextBox 22">
+              <a:extLst>
+                <a:ext uri="{FF2B5EF4-FFF2-40B4-BE49-F238E27FC236}">
+                  <a16:creationId xmlns:a16="http://schemas.microsoft.com/office/drawing/2014/main" id="{7597A0CB-2854-DB44-4E2A-5963E44B4A7D}"/>
+                </a:ext>
+              </a:extLst>
+            </p:cNvPr>
+            <p:cNvSpPr txBox="1"/>
+            <p:nvPr/>
+          </p:nvSpPr>
+          <p:spPr>
+            <a:xfrm>
+              <a:off x="1429671" y="5093840"/>
+              <a:ext cx="190070" cy="276999"/>
+            </a:xfrm>
+            <a:prstGeom prst="rect">
+              <a:avLst/>
+            </a:prstGeom>
+            <a:noFill/>
+          </p:spPr>
+          <p:txBody>
+            <a:bodyPr wrap="square">
+              <a:spAutoFit/>
+            </a:bodyPr>
+            <a:lstStyle/>
+            <a:p>
+              <a:r>
+                <a:rPr lang="en-US" sz="1200" dirty="0">
+                  <a:latin typeface="Times New Roman" panose="02020603050405020304" pitchFamily="18" charset="0"/>
+                  <a:cs typeface="Times New Roman" panose="02020603050405020304" pitchFamily="18" charset="0"/>
+                </a:rPr>
+                <a:t>X</a:t>
+              </a:r>
+            </a:p>
+          </p:txBody>
+        </p:sp>
+        <p:sp>
+          <p:nvSpPr>
+            <p:cNvPr id="24" name="TextBox 23">
+              <a:extLst>
+                <a:ext uri="{FF2B5EF4-FFF2-40B4-BE49-F238E27FC236}">
+                  <a16:creationId xmlns:a16="http://schemas.microsoft.com/office/drawing/2014/main" id="{DB33E7E5-248D-AA21-86D5-AF4F7E37ADCB}"/>
+                </a:ext>
+              </a:extLst>
+            </p:cNvPr>
+            <p:cNvSpPr txBox="1"/>
+            <p:nvPr/>
+          </p:nvSpPr>
+          <p:spPr>
+            <a:xfrm>
+              <a:off x="1222908" y="4854117"/>
+              <a:ext cx="190070" cy="276999"/>
+            </a:xfrm>
+            <a:prstGeom prst="rect">
+              <a:avLst/>
+            </a:prstGeom>
+            <a:noFill/>
+          </p:spPr>
+          <p:txBody>
+            <a:bodyPr wrap="square">
+              <a:spAutoFit/>
+            </a:bodyPr>
+            <a:lstStyle/>
+            <a:p>
+              <a:r>
+                <a:rPr lang="en-US" sz="1200" dirty="0">
+                  <a:latin typeface="Times New Roman" panose="02020603050405020304" pitchFamily="18" charset="0"/>
+                  <a:cs typeface="Times New Roman" panose="02020603050405020304" pitchFamily="18" charset="0"/>
+                </a:rPr>
+                <a:t>Z</a:t>
+              </a:r>
+            </a:p>
+          </p:txBody>
+        </p:sp>
+        <p:sp>
+          <p:nvSpPr>
+            <p:cNvPr id="25" name="TextBox 24">
+              <a:extLst>
+                <a:ext uri="{FF2B5EF4-FFF2-40B4-BE49-F238E27FC236}">
+                  <a16:creationId xmlns:a16="http://schemas.microsoft.com/office/drawing/2014/main" id="{A4B01246-0AF4-86D5-183A-5811990C8D75}"/>
+                </a:ext>
+              </a:extLst>
+            </p:cNvPr>
+            <p:cNvSpPr txBox="1"/>
+            <p:nvPr/>
+          </p:nvSpPr>
+          <p:spPr>
+            <a:xfrm>
+              <a:off x="972904" y="5064768"/>
+              <a:ext cx="190070" cy="276999"/>
+            </a:xfrm>
+            <a:prstGeom prst="rect">
+              <a:avLst/>
+            </a:prstGeom>
+            <a:noFill/>
+          </p:spPr>
+          <p:txBody>
+            <a:bodyPr wrap="square">
+              <a:spAutoFit/>
+            </a:bodyPr>
+            <a:lstStyle/>
+            <a:p>
+              <a:r>
+                <a:rPr lang="en-US" sz="1200" dirty="0">
+                  <a:latin typeface="Times New Roman" panose="02020603050405020304" pitchFamily="18" charset="0"/>
+                  <a:cs typeface="Times New Roman" panose="02020603050405020304" pitchFamily="18" charset="0"/>
+                </a:rPr>
+                <a:t>Y</a:t>
+              </a:r>
+            </a:p>
+          </p:txBody>
+        </p:sp>
+      </p:grpSp>
+      <p:sp>
+        <p:nvSpPr>
+          <p:cNvPr id="3" name="TextBox 2">
+            <a:extLst>
+              <a:ext uri="{FF2B5EF4-FFF2-40B4-BE49-F238E27FC236}">
+                <a16:creationId xmlns:a16="http://schemas.microsoft.com/office/drawing/2014/main" id="{0EF3343B-E574-586E-6382-5D3239104603}"/>
+              </a:ext>
+            </a:extLst>
+          </p:cNvPr>
+          <p:cNvSpPr txBox="1"/>
+          <p:nvPr/>
+        </p:nvSpPr>
+        <p:spPr>
+          <a:xfrm>
+            <a:off x="128805" y="1204971"/>
+            <a:ext cx="2586926" cy="2585323"/>
+          </a:xfrm>
+          <a:prstGeom prst="rect">
+            <a:avLst/>
+          </a:prstGeom>
+          <a:noFill/>
+        </p:spPr>
+        <p:txBody>
+          <a:bodyPr wrap="square" rtlCol="0">
+            <a:spAutoFit/>
+          </a:bodyPr>
+          <a:lstStyle/>
+          <a:p>
+            <a:r>
+              <a:rPr lang="en-US" dirty="0"/>
+              <a:t>Nodes on top: </a:t>
+            </a:r>
+          </a:p>
+          <a:p>
+            <a:r>
+              <a:rPr lang="en-US" dirty="0"/>
+              <a:t>(include RP1)</a:t>
+            </a:r>
+          </a:p>
+          <a:p>
+            <a:r>
+              <a:rPr lang="en-US" dirty="0"/>
+              <a:t>dx = 0</a:t>
+            </a:r>
+          </a:p>
+          <a:p>
+            <a:r>
+              <a:rPr lang="en-US" dirty="0" err="1"/>
+              <a:t>dy</a:t>
+            </a:r>
+            <a:r>
+              <a:rPr lang="en-US" dirty="0"/>
+              <a:t> = 0</a:t>
+            </a:r>
+          </a:p>
+          <a:p>
+            <a:r>
+              <a:rPr lang="en-US" dirty="0" err="1"/>
+              <a:t>dz</a:t>
+            </a:r>
+            <a:r>
+              <a:rPr lang="en-US" dirty="0"/>
+              <a:t> = u</a:t>
+            </a:r>
+          </a:p>
+          <a:p>
+            <a:r>
+              <a:rPr lang="en-US" dirty="0" err="1"/>
+              <a:t>rx</a:t>
+            </a:r>
+            <a:r>
+              <a:rPr lang="en-US" dirty="0"/>
+              <a:t> = 0</a:t>
+            </a:r>
+          </a:p>
+          <a:p>
+            <a:r>
+              <a:rPr lang="en-US" dirty="0" err="1"/>
+              <a:t>ry</a:t>
+            </a:r>
+            <a:r>
+              <a:rPr lang="en-US" dirty="0"/>
+              <a:t> = 0</a:t>
+            </a:r>
+          </a:p>
+          <a:p>
+            <a:r>
+              <a:rPr lang="en-US" dirty="0" err="1"/>
+              <a:t>rz</a:t>
+            </a:r>
+            <a:r>
+              <a:rPr lang="en-US" dirty="0"/>
+              <a:t> = 0</a:t>
+            </a:r>
+          </a:p>
+          <a:p>
+            <a:endParaRPr lang="en-US" dirty="0"/>
+          </a:p>
+        </p:txBody>
+      </p:sp>
+      <p:sp>
+        <p:nvSpPr>
+          <p:cNvPr id="6" name="TextBox 5">
+            <a:extLst>
+              <a:ext uri="{FF2B5EF4-FFF2-40B4-BE49-F238E27FC236}">
+                <a16:creationId xmlns:a16="http://schemas.microsoft.com/office/drawing/2014/main" id="{E0540E01-90D1-7B67-3557-B2B31A6607C8}"/>
+              </a:ext>
+            </a:extLst>
+          </p:cNvPr>
+          <p:cNvSpPr txBox="1"/>
+          <p:nvPr/>
+        </p:nvSpPr>
+        <p:spPr>
+          <a:xfrm>
+            <a:off x="4183329" y="5185092"/>
+            <a:ext cx="2586926" cy="1477328"/>
+          </a:xfrm>
+          <a:prstGeom prst="rect">
+            <a:avLst/>
+          </a:prstGeom>
+          <a:noFill/>
+        </p:spPr>
+        <p:txBody>
+          <a:bodyPr wrap="square" rtlCol="0">
+            <a:spAutoFit/>
+          </a:bodyPr>
+          <a:lstStyle/>
+          <a:p>
+            <a:r>
+              <a:rPr lang="en-US" dirty="0"/>
+              <a:t>Nodes on bottom: </a:t>
+            </a:r>
+          </a:p>
+          <a:p>
+            <a:r>
+              <a:rPr lang="en-US" dirty="0"/>
+              <a:t>(except RP2)</a:t>
+            </a:r>
+          </a:p>
+          <a:p>
+            <a:r>
+              <a:rPr lang="en-US" dirty="0"/>
+              <a:t>dx = 0; </a:t>
+            </a:r>
+            <a:r>
+              <a:rPr lang="en-US" dirty="0" err="1"/>
+              <a:t>dy</a:t>
+            </a:r>
+            <a:r>
+              <a:rPr lang="en-US" dirty="0"/>
+              <a:t> = 0; </a:t>
+            </a:r>
+            <a:r>
+              <a:rPr lang="en-US" dirty="0" err="1"/>
+              <a:t>dz</a:t>
+            </a:r>
+            <a:r>
+              <a:rPr lang="en-US" dirty="0"/>
+              <a:t> = 0</a:t>
+            </a:r>
+          </a:p>
+          <a:p>
+            <a:r>
+              <a:rPr lang="en-US" dirty="0" err="1"/>
+              <a:t>rx</a:t>
+            </a:r>
+            <a:r>
+              <a:rPr lang="en-US" dirty="0"/>
+              <a:t> = 0; </a:t>
+            </a:r>
+            <a:r>
+              <a:rPr lang="en-US" dirty="0" err="1"/>
+              <a:t>ry</a:t>
+            </a:r>
+            <a:r>
+              <a:rPr lang="en-US" dirty="0"/>
+              <a:t> = 0; </a:t>
+            </a:r>
+            <a:r>
+              <a:rPr lang="en-US" dirty="0" err="1"/>
+              <a:t>rz</a:t>
+            </a:r>
+            <a:r>
+              <a:rPr lang="en-US" dirty="0"/>
+              <a:t> = 0</a:t>
+            </a:r>
+          </a:p>
+          <a:p>
+            <a:endParaRPr lang="en-US" dirty="0"/>
+          </a:p>
+        </p:txBody>
+      </p:sp>
+    </p:spTree>
+    <p:extLst>
+      <p:ext uri="{BB962C8B-B14F-4D97-AF65-F5344CB8AC3E}">
+        <p14:creationId xmlns:p14="http://schemas.microsoft.com/office/powerpoint/2010/main" val="3499285017"/>
+      </p:ext>
+    </p:extLst>
+  </p:cSld>
+  <p:clrMapOvr>
+    <a:masterClrMapping/>
+  </p:clrMapOvr>
+</p:sld>
+</file>
+
+<file path=ppt/slides/slide3.xml><?xml version="1.0" encoding="utf-8"?>
+<p:sld xmlns:a="http://schemas.openxmlformats.org/drawingml/2006/main" xmlns:r="http://schemas.openxmlformats.org/officeDocument/2006/relationships" xmlns:p="http://schemas.openxmlformats.org/presentationml/2006/main">
+  <p:cSld>
+    <p:spTree>
+      <p:nvGrpSpPr>
+        <p:cNvPr id="1" name=""/>
+        <p:cNvGrpSpPr/>
+        <p:nvPr/>
+      </p:nvGrpSpPr>
+      <p:grpSpPr>
+        <a:xfrm>
+          <a:off x="0" y="0"/>
+          <a:ext cx="0" cy="0"/>
+          <a:chOff x="0" y="0"/>
+          <a:chExt cx="0" cy="0"/>
+        </a:xfrm>
+      </p:grpSpPr>
+      <p:pic>
+        <p:nvPicPr>
+          <p:cNvPr id="2" name="Picture 1">
+            <a:extLst>
+              <a:ext uri="{FF2B5EF4-FFF2-40B4-BE49-F238E27FC236}">
                 <a16:creationId xmlns:a16="http://schemas.microsoft.com/office/drawing/2014/main" id="{6F67C396-9B3C-461E-38E7-18651EED56FE}"/>
               </a:ext>
             </a:extLst>
@@ -5651,7 +6863,7 @@
 </p:sld>
 </file>
 
-<file path=ppt/slides/slide3.xml><?xml version="1.0" encoding="utf-8"?>
+<file path=ppt/slides/slide4.xml><?xml version="1.0" encoding="utf-8"?>
 <p:sld xmlns:a="http://schemas.openxmlformats.org/drawingml/2006/main" xmlns:r="http://schemas.openxmlformats.org/officeDocument/2006/relationships" xmlns:p="http://schemas.openxmlformats.org/presentationml/2006/main">
   <p:cSld>
     <p:spTree>

--- a/Unconfined Compression calibration/UC test.pptx
+++ b/Unconfined Compression calibration/UC test.pptx
@@ -5610,6 +5610,52 @@
           </a:p>
         </p:txBody>
       </p:sp>
+      <p:sp>
+        <p:nvSpPr>
+          <p:cNvPr id="12" name="TextBox 11">
+            <a:extLst>
+              <a:ext uri="{FF2B5EF4-FFF2-40B4-BE49-F238E27FC236}">
+                <a16:creationId xmlns:a16="http://schemas.microsoft.com/office/drawing/2014/main" id="{3E2BC6CB-89B1-3F6E-8338-39C09B206CDE}"/>
+              </a:ext>
+            </a:extLst>
+          </p:cNvPr>
+          <p:cNvSpPr txBox="1"/>
+          <p:nvPr/>
+        </p:nvSpPr>
+        <p:spPr>
+          <a:xfrm>
+            <a:off x="8494628" y="4084352"/>
+            <a:ext cx="2586926" cy="646331"/>
+          </a:xfrm>
+          <a:prstGeom prst="rect">
+            <a:avLst/>
+          </a:prstGeom>
+          <a:noFill/>
+        </p:spPr>
+        <p:txBody>
+          <a:bodyPr wrap="square" rtlCol="0">
+            <a:spAutoFit/>
+          </a:bodyPr>
+          <a:lstStyle/>
+          <a:p>
+            <a:r>
+              <a:rPr lang="en-US" dirty="0"/>
+              <a:t>Total time </a:t>
+            </a:r>
+            <a:r>
+              <a:rPr lang="en-US"/>
+              <a:t>is 0.2s</a:t>
+            </a:r>
+            <a:r>
+              <a:rPr lang="en-US" dirty="0"/>
+              <a:t>.</a:t>
+            </a:r>
+          </a:p>
+          <a:p>
+            <a:endParaRPr lang="en-US" dirty="0"/>
+          </a:p>
+        </p:txBody>
+      </p:sp>
     </p:spTree>
     <p:extLst>
       <p:ext uri="{BB962C8B-B14F-4D97-AF65-F5344CB8AC3E}">
@@ -5700,7 +5746,7 @@
           <a:p>
             <a:r>
               <a:rPr lang="en-US" sz="2400" b="1" dirty="0"/>
-              <a:t>Unconfined Compression</a:t>
+              <a:t>Unconfined Compression - fix</a:t>
             </a:r>
           </a:p>
           <a:p>
@@ -6739,6 +6785,44 @@
             <a:r>
               <a:rPr lang="en-US" dirty="0"/>
               <a:t> = 0</a:t>
+            </a:r>
+          </a:p>
+          <a:p>
+            <a:endParaRPr lang="en-US" dirty="0"/>
+          </a:p>
+        </p:txBody>
+      </p:sp>
+      <p:sp>
+        <p:nvSpPr>
+          <p:cNvPr id="12" name="TextBox 11">
+            <a:extLst>
+              <a:ext uri="{FF2B5EF4-FFF2-40B4-BE49-F238E27FC236}">
+                <a16:creationId xmlns:a16="http://schemas.microsoft.com/office/drawing/2014/main" id="{CCB7A673-69B1-0F0A-E759-055F86A086E9}"/>
+              </a:ext>
+            </a:extLst>
+          </p:cNvPr>
+          <p:cNvSpPr txBox="1"/>
+          <p:nvPr/>
+        </p:nvSpPr>
+        <p:spPr>
+          <a:xfrm>
+            <a:off x="8494628" y="4084352"/>
+            <a:ext cx="2586926" cy="646331"/>
+          </a:xfrm>
+          <a:prstGeom prst="rect">
+            <a:avLst/>
+          </a:prstGeom>
+          <a:noFill/>
+        </p:spPr>
+        <p:txBody>
+          <a:bodyPr wrap="square" rtlCol="0">
+            <a:spAutoFit/>
+          </a:bodyPr>
+          <a:lstStyle/>
+          <a:p>
+            <a:r>
+              <a:rPr lang="en-US" dirty="0"/>
+              <a:t>Total time is 0.4s.</a:t>
             </a:r>
           </a:p>
           <a:p>
